--- a/Resources/RustTour.pptx
+++ b/Resources/RustTour.pptx
@@ -5,7 +5,7 @@
     <p:sldMasterId id="2147483648" r:id="rId1"/>
   </p:sldMasterIdLst>
   <p:notesMasterIdLst>
-    <p:notesMasterId r:id="rId62"/>
+    <p:notesMasterId r:id="rId63"/>
   </p:notesMasterIdLst>
   <p:sldIdLst>
     <p:sldId id="256" r:id="rId2"/>
@@ -64,10 +64,11 @@
     <p:sldId id="306" r:id="rId55"/>
     <p:sldId id="269" r:id="rId56"/>
     <p:sldId id="270" r:id="rId57"/>
-    <p:sldId id="316" r:id="rId58"/>
-    <p:sldId id="281" r:id="rId59"/>
-    <p:sldId id="268" r:id="rId60"/>
-    <p:sldId id="282" r:id="rId61"/>
+    <p:sldId id="364" r:id="rId58"/>
+    <p:sldId id="316" r:id="rId59"/>
+    <p:sldId id="281" r:id="rId60"/>
+    <p:sldId id="268" r:id="rId61"/>
+    <p:sldId id="282" r:id="rId62"/>
   </p:sldIdLst>
   <p:sldSz cx="12192000" cy="6858000"/>
   <p:notesSz cx="9296400" cy="7010400"/>
@@ -19316,21 +19317,21 @@
           <p:cNvPr id="2" name="Title 1">
             <a:extLst>
               <a:ext uri="{FF2B5EF4-FFF2-40B4-BE49-F238E27FC236}">
-                <a16:creationId xmlns:a16="http://schemas.microsoft.com/office/drawing/2014/main" id="{7931F950-B483-4831-A37F-784D41C54C0E}"/>
-              </a:ext>
-            </a:extLst>
-          </p:cNvPr>
-          <p:cNvSpPr>
-            <a:spLocks noGrp="1"/>
-          </p:cNvSpPr>
-          <p:nvPr>
-            <p:ph type="ctrTitle"/>
+                <a16:creationId xmlns:a16="http://schemas.microsoft.com/office/drawing/2014/main" id="{509999B9-F98C-49FC-BB90-2EBF2A4F5418}"/>
+              </a:ext>
+            </a:extLst>
+          </p:cNvPr>
+          <p:cNvSpPr>
+            <a:spLocks noGrp="1"/>
+          </p:cNvSpPr>
+          <p:nvPr>
+            <p:ph type="title"/>
           </p:nvPr>
         </p:nvSpPr>
         <p:spPr>
           <a:xfrm>
-            <a:off x="1524000" y="1122363"/>
-            <a:ext cx="9144000" cy="2155310"/>
+            <a:off x="838200" y="365125"/>
+            <a:ext cx="10515600" cy="549275"/>
           </a:xfrm>
         </p:spPr>
         <p:txBody>
@@ -19339,62 +19340,190 @@
           <a:p>
             <a:r>
               <a:rPr lang="en-US" dirty="0"/>
-              <a:t>Epilog</a:t>
-            </a:r>
-          </a:p>
-        </p:txBody>
-      </p:sp>
-      <p:sp>
-        <p:nvSpPr>
-          <p:cNvPr id="3" name="Subtitle 2">
-            <a:extLst>
-              <a:ext uri="{FF2B5EF4-FFF2-40B4-BE49-F238E27FC236}">
-                <a16:creationId xmlns:a16="http://schemas.microsoft.com/office/drawing/2014/main" id="{D9CD4FAC-1FAC-470C-A1D5-392002A7D018}"/>
-              </a:ext>
-            </a:extLst>
-          </p:cNvPr>
-          <p:cNvSpPr>
-            <a:spLocks noGrp="1"/>
-          </p:cNvSpPr>
-          <p:nvPr>
-            <p:ph type="subTitle" idx="1"/>
+              <a:t>Rust Pain Points</a:t>
+            </a:r>
+          </a:p>
+        </p:txBody>
+      </p:sp>
+      <p:sp>
+        <p:nvSpPr>
+          <p:cNvPr id="3" name="Content Placeholder 2">
+            <a:extLst>
+              <a:ext uri="{FF2B5EF4-FFF2-40B4-BE49-F238E27FC236}">
+                <a16:creationId xmlns:a16="http://schemas.microsoft.com/office/drawing/2014/main" id="{5576129F-1B36-4CFF-8737-B835FAC0B0F8}"/>
+              </a:ext>
+            </a:extLst>
+          </p:cNvPr>
+          <p:cNvSpPr>
+            <a:spLocks noGrp="1"/>
+          </p:cNvSpPr>
+          <p:nvPr>
+            <p:ph idx="1"/>
           </p:nvPr>
         </p:nvSpPr>
         <p:spPr>
           <a:xfrm>
-            <a:off x="1524000" y="3981450"/>
-            <a:ext cx="9144000" cy="1276349"/>
+            <a:off x="838200" y="1087582"/>
+            <a:ext cx="10515600" cy="5268768"/>
           </a:xfrm>
         </p:spPr>
         <p:txBody>
-          <a:bodyPr>
-            <a:normAutofit/>
-          </a:bodyPr>
-          <a:lstStyle/>
-          <a:p>
-            <a:r>
-              <a:rPr lang="en-US" sz="2000" dirty="0">
-                <a:hlinkClick r:id="rId2"/>
-              </a:rPr>
-              <a:t>https://jimfawcett.github.io/RustStory_Models.html#epilogue</a:t>
-            </a:r>
-            <a:r>
-              <a:rPr lang="en-US" sz="2000" dirty="0"/>
-              <a:t> </a:t>
-            </a:r>
-          </a:p>
-          <a:p>
-            <a:endParaRPr lang="en-US" sz="2000" dirty="0"/>
-          </a:p>
-          <a:p>
-            <a:endParaRPr lang="en-US" sz="2000" dirty="0"/>
+          <a:bodyPr/>
+          <a:lstStyle/>
+          <a:p>
+            <a:r>
+              <a:rPr lang="en-US" dirty="0"/>
+              <a:t>Ownership</a:t>
+            </a:r>
+          </a:p>
+          <a:p>
+            <a:pPr lvl="1"/>
+            <a:r>
+              <a:rPr lang="en-US" dirty="0"/>
+              <a:t>Conceptually simple, must handle details to compile </a:t>
+            </a:r>
+            <a:r>
+              <a:rPr lang="en-US" dirty="0">
+                <a:sym typeface="Wingdings" panose="05000000000000000000" pitchFamily="2" charset="2"/>
+              </a:rPr>
+              <a:t></a:t>
+            </a:r>
+            <a:endParaRPr lang="en-US" dirty="0"/>
+          </a:p>
+          <a:p>
+            <a:pPr lvl="1"/>
+            <a:r>
+              <a:rPr lang="en-US" dirty="0"/>
+              <a:t>Compiler error messages are very good </a:t>
+            </a:r>
+            <a:r>
+              <a:rPr lang="en-US" dirty="0">
+                <a:sym typeface="Wingdings" panose="05000000000000000000" pitchFamily="2" charset="2"/>
+              </a:rPr>
+              <a:t></a:t>
+            </a:r>
+            <a:endParaRPr lang="en-US" dirty="0"/>
+          </a:p>
+          <a:p>
+            <a:r>
+              <a:rPr lang="en-US" dirty="0"/>
+              <a:t>Error Handling</a:t>
+            </a:r>
+          </a:p>
+          <a:p>
+            <a:pPr lvl="1"/>
+            <a:r>
+              <a:rPr lang="en-US" dirty="0"/>
+              <a:t>All cases of all errors have to be handled to compile</a:t>
+            </a:r>
+          </a:p>
+          <a:p>
+            <a:pPr lvl="1"/>
+            <a:r>
+              <a:rPr lang="en-US" dirty="0"/>
+              <a:t>Many examples use naïve handling, e.g., panic.  </a:t>
+            </a:r>
+          </a:p>
+          <a:p>
+            <a:pPr lvl="2"/>
+            <a:r>
+              <a:rPr lang="en-US" dirty="0"/>
+              <a:t>Not a good idea for anything other than demo code.</a:t>
+            </a:r>
+          </a:p>
+          <a:p>
+            <a:r>
+              <a:rPr lang="en-US" dirty="0"/>
+              <a:t>Strings</a:t>
+            </a:r>
+          </a:p>
+          <a:p>
+            <a:pPr lvl="1"/>
+            <a:r>
+              <a:rPr lang="en-US" dirty="0"/>
+              <a:t>String, &amp;str, </a:t>
+            </a:r>
+            <a:r>
+              <a:rPr lang="en-US" dirty="0" err="1"/>
+              <a:t>OsString</a:t>
+            </a:r>
+            <a:r>
+              <a:rPr lang="en-US" dirty="0"/>
+              <a:t>, &amp;</a:t>
+            </a:r>
+            <a:r>
+              <a:rPr lang="en-US" dirty="0" err="1"/>
+              <a:t>OsStr</a:t>
+            </a:r>
+            <a:r>
+              <a:rPr lang="en-US" dirty="0"/>
+              <a:t>, </a:t>
+            </a:r>
+            <a:r>
+              <a:rPr lang="en-US" dirty="0" err="1"/>
+              <a:t>PathBuf</a:t>
+            </a:r>
+            <a:r>
+              <a:rPr lang="en-US" dirty="0"/>
+              <a:t>, &amp;Path</a:t>
+            </a:r>
+          </a:p>
+          <a:p>
+            <a:pPr lvl="1"/>
+            <a:r>
+              <a:rPr lang="en-US" dirty="0"/>
+              <a:t>No indexing, can use iterator</a:t>
+            </a:r>
+          </a:p>
+          <a:p>
+            <a:r>
+              <a:rPr lang="en-US" dirty="0"/>
+              <a:t>Explicit conversions</a:t>
+            </a:r>
+          </a:p>
+          <a:p>
+            <a:pPr lvl="1"/>
+            <a:r>
+              <a:rPr lang="en-US" dirty="0"/>
+              <a:t>Virtually no implicit conversions</a:t>
+            </a:r>
+          </a:p>
+        </p:txBody>
+      </p:sp>
+      <p:sp>
+        <p:nvSpPr>
+          <p:cNvPr id="4" name="Slide Number Placeholder 3">
+            <a:extLst>
+              <a:ext uri="{FF2B5EF4-FFF2-40B4-BE49-F238E27FC236}">
+                <a16:creationId xmlns:a16="http://schemas.microsoft.com/office/drawing/2014/main" id="{FC9659F6-A43C-4096-97A1-BD3149883C36}"/>
+              </a:ext>
+            </a:extLst>
+          </p:cNvPr>
+          <p:cNvSpPr>
+            <a:spLocks noGrp="1"/>
+          </p:cNvSpPr>
+          <p:nvPr>
+            <p:ph type="sldNum" sz="quarter" idx="12"/>
+          </p:nvPr>
+        </p:nvSpPr>
+        <p:spPr/>
+        <p:txBody>
+          <a:bodyPr/>
+          <a:lstStyle/>
+          <a:p>
+            <a:fld id="{519FA752-D1CF-498F-B0BD-05E47309CED3}" type="slidenum">
+              <a:rPr lang="en-US" smtClean="0"/>
+              <a:pPr/>
+              <a:t>57</a:t>
+            </a:fld>
+            <a:endParaRPr lang="en-US"/>
           </a:p>
         </p:txBody>
       </p:sp>
     </p:spTree>
     <p:extLst>
       <p:ext uri="{BB962C8B-B14F-4D97-AF65-F5344CB8AC3E}">
-        <p14:creationId xmlns:p14="http://schemas.microsoft.com/office/powerpoint/2010/main" val="4090748651"/>
+        <p14:creationId xmlns:p14="http://schemas.microsoft.com/office/powerpoint/2010/main" val="4277952545"/>
       </p:ext>
     </p:extLst>
   </p:cSld>
@@ -19426,25 +19555,22 @@
           <p:cNvPr id="2" name="Title 1">
             <a:extLst>
               <a:ext uri="{FF2B5EF4-FFF2-40B4-BE49-F238E27FC236}">
-                <a16:creationId xmlns:a16="http://schemas.microsoft.com/office/drawing/2014/main" id="{6575B597-9CE0-4BDE-8DBF-14DEFB696DB3}"/>
-              </a:ext>
-            </a:extLst>
-          </p:cNvPr>
-          <p:cNvSpPr>
-            <a:spLocks noGrp="1"/>
-          </p:cNvSpPr>
-          <p:nvPr>
-            <p:ph type="title"/>
+                <a16:creationId xmlns:a16="http://schemas.microsoft.com/office/drawing/2014/main" id="{7931F950-B483-4831-A37F-784D41C54C0E}"/>
+              </a:ext>
+            </a:extLst>
+          </p:cNvPr>
+          <p:cNvSpPr>
+            <a:spLocks noGrp="1"/>
+          </p:cNvSpPr>
+          <p:nvPr>
+            <p:ph type="ctrTitle"/>
           </p:nvPr>
         </p:nvSpPr>
         <p:spPr>
           <a:xfrm>
-            <a:off x="838200" y="337415"/>
-            <a:ext cx="10515600" cy="961399"/>
+            <a:off x="1524000" y="1122363"/>
+            <a:ext cx="9144000" cy="2155310"/>
           </a:xfrm>
-          <a:solidFill>
-            <a:schemeClr val="bg1"/>
-          </a:solidFill>
         </p:spPr>
         <p:txBody>
           <a:bodyPr/>
@@ -19452,122 +19578,62 @@
           <a:p>
             <a:r>
               <a:rPr lang="en-US" dirty="0"/>
-              <a:t>Conclusions</a:t>
-            </a:r>
-          </a:p>
-        </p:txBody>
-      </p:sp>
-      <p:sp>
-        <p:nvSpPr>
-          <p:cNvPr id="3" name="Content Placeholder 2">
-            <a:extLst>
-              <a:ext uri="{FF2B5EF4-FFF2-40B4-BE49-F238E27FC236}">
-                <a16:creationId xmlns:a16="http://schemas.microsoft.com/office/drawing/2014/main" id="{510D5770-03A0-448C-A291-CB10F9B55D66}"/>
-              </a:ext>
-            </a:extLst>
-          </p:cNvPr>
-          <p:cNvSpPr>
-            <a:spLocks noGrp="1"/>
-          </p:cNvSpPr>
-          <p:nvPr>
-            <p:ph idx="1"/>
+              <a:t>Epilog</a:t>
+            </a:r>
+          </a:p>
+        </p:txBody>
+      </p:sp>
+      <p:sp>
+        <p:nvSpPr>
+          <p:cNvPr id="3" name="Subtitle 2">
+            <a:extLst>
+              <a:ext uri="{FF2B5EF4-FFF2-40B4-BE49-F238E27FC236}">
+                <a16:creationId xmlns:a16="http://schemas.microsoft.com/office/drawing/2014/main" id="{D9CD4FAC-1FAC-470C-A1D5-392002A7D018}"/>
+              </a:ext>
+            </a:extLst>
+          </p:cNvPr>
+          <p:cNvSpPr>
+            <a:spLocks noGrp="1"/>
+          </p:cNvSpPr>
+          <p:nvPr>
+            <p:ph type="subTitle" idx="1"/>
           </p:nvPr>
         </p:nvSpPr>
         <p:spPr>
           <a:xfrm>
-            <a:off x="838200" y="1440874"/>
-            <a:ext cx="10515600" cy="4736090"/>
+            <a:off x="1524000" y="3981450"/>
+            <a:ext cx="9144000" cy="1276349"/>
           </a:xfrm>
         </p:spPr>
         <p:txBody>
           <a:bodyPr>
-            <a:noAutofit/>
+            <a:normAutofit/>
           </a:bodyPr>
           <a:lstStyle/>
           <a:p>
-            <a:r>
-              <a:rPr lang="en-US" sz="2400" dirty="0"/>
-              <a:t>If you understand the models, we’ve covered, I think you will find Rust syntax and semantics to be convenient and sensible.</a:t>
-            </a:r>
-          </a:p>
-          <a:p>
-            <a:r>
-              <a:rPr lang="en-US" sz="2400" dirty="0"/>
-              <a:t>Some particular parts of the language discussed in the Rust Story but not here are intricate and require some study to master:</a:t>
-            </a:r>
-          </a:p>
-          <a:p>
-            <a:pPr lvl="1"/>
-            <a:r>
-              <a:rPr lang="en-US" sz="2000" dirty="0"/>
-              <a:t>String syntax and semantics because the only character type Rust recognizes in its native strings, String and Str, is utf-8, which uses multi-byte characters of varying sizes.</a:t>
-            </a:r>
-          </a:p>
-          <a:p>
-            <a:pPr lvl="1"/>
-            <a:r>
-              <a:rPr lang="en-US" sz="2000" dirty="0"/>
-              <a:t>Life-time annotation needed for some scenarios using generics.</a:t>
-            </a:r>
-          </a:p>
-          <a:p>
-            <a:pPr lvl="1"/>
-            <a:r>
-              <a:rPr lang="en-US" sz="2000" dirty="0"/>
-              <a:t>Many crates in </a:t>
-            </a:r>
             <a:r>
               <a:rPr lang="en-US" sz="2000" dirty="0">
                 <a:hlinkClick r:id="rId2"/>
               </a:rPr>
-              <a:t>https://crates.io</a:t>
+              <a:t>https://jimfawcett.github.io/RustStory_Prologue.html</a:t>
             </a:r>
             <a:r>
               <a:rPr lang="en-US" sz="2000" dirty="0"/>
-              <a:t> are used routinely by knowledgeable Rust developers, but some take significant amounts of time and effort to use effectively.</a:t>
-            </a:r>
-          </a:p>
-          <a:p>
-            <a:r>
-              <a:rPr lang="en-US" sz="2400" dirty="0"/>
-              <a:t>Rust avoids undefined behavior by incorporating a safe type system.  That is based on the ownership rules we’ve discussed.  It takes a while to get use to the rules, but compiler error messages are usually very good.</a:t>
-            </a:r>
-          </a:p>
-        </p:txBody>
-      </p:sp>
-      <p:sp>
-        <p:nvSpPr>
-          <p:cNvPr id="4" name="Slide Number Placeholder 3">
-            <a:extLst>
-              <a:ext uri="{FF2B5EF4-FFF2-40B4-BE49-F238E27FC236}">
-                <a16:creationId xmlns:a16="http://schemas.microsoft.com/office/drawing/2014/main" id="{5303FFBC-A3BA-4CD9-9623-2D9E837E32E7}"/>
-              </a:ext>
-            </a:extLst>
-          </p:cNvPr>
-          <p:cNvSpPr>
-            <a:spLocks noGrp="1"/>
-          </p:cNvSpPr>
-          <p:nvPr>
-            <p:ph type="sldNum" sz="quarter" idx="12"/>
-          </p:nvPr>
-        </p:nvSpPr>
-        <p:spPr/>
-        <p:txBody>
-          <a:bodyPr/>
-          <a:lstStyle/>
-          <a:p>
-            <a:fld id="{519FA752-D1CF-498F-B0BD-05E47309CED3}" type="slidenum">
-              <a:rPr lang="en-US" smtClean="0"/>
-              <a:t>58</a:t>
-            </a:fld>
-            <a:endParaRPr lang="en-US"/>
+              <a:t> </a:t>
+            </a:r>
+          </a:p>
+          <a:p>
+            <a:endParaRPr lang="en-US" sz="2000" dirty="0"/>
+          </a:p>
+          <a:p>
+            <a:endParaRPr lang="en-US" sz="2000" dirty="0"/>
           </a:p>
         </p:txBody>
       </p:sp>
     </p:spTree>
     <p:extLst>
       <p:ext uri="{BB962C8B-B14F-4D97-AF65-F5344CB8AC3E}">
-        <p14:creationId xmlns:p14="http://schemas.microsoft.com/office/powerpoint/2010/main" val="1695196908"/>
+        <p14:creationId xmlns:p14="http://schemas.microsoft.com/office/powerpoint/2010/main" val="4090748651"/>
       </p:ext>
     </p:extLst>
   </p:cSld>
@@ -19599,7 +19665,7 @@
           <p:cNvPr id="2" name="Title 1">
             <a:extLst>
               <a:ext uri="{FF2B5EF4-FFF2-40B4-BE49-F238E27FC236}">
-                <a16:creationId xmlns:a16="http://schemas.microsoft.com/office/drawing/2014/main" id="{AE2C4E24-F41A-43B6-8514-8753B0BF4B56}"/>
+                <a16:creationId xmlns:a16="http://schemas.microsoft.com/office/drawing/2014/main" id="{6575B597-9CE0-4BDE-8DBF-14DEFB696DB3}"/>
               </a:ext>
             </a:extLst>
           </p:cNvPr>
@@ -19612,147 +19678,99 @@
         </p:nvSpPr>
         <p:spPr>
           <a:xfrm>
-            <a:off x="838200" y="365126"/>
-            <a:ext cx="10515600" cy="780922"/>
+            <a:off x="838200" y="337415"/>
+            <a:ext cx="10515600" cy="961399"/>
+          </a:xfrm>
+          <a:solidFill>
+            <a:schemeClr val="bg1"/>
+          </a:solidFill>
+        </p:spPr>
+        <p:txBody>
+          <a:bodyPr/>
+          <a:lstStyle/>
+          <a:p>
+            <a:r>
+              <a:rPr lang="en-US" dirty="0"/>
+              <a:t>Conclusions</a:t>
+            </a:r>
+          </a:p>
+        </p:txBody>
+      </p:sp>
+      <p:sp>
+        <p:nvSpPr>
+          <p:cNvPr id="3" name="Content Placeholder 2">
+            <a:extLst>
+              <a:ext uri="{FF2B5EF4-FFF2-40B4-BE49-F238E27FC236}">
+                <a16:creationId xmlns:a16="http://schemas.microsoft.com/office/drawing/2014/main" id="{510D5770-03A0-448C-A291-CB10F9B55D66}"/>
+              </a:ext>
+            </a:extLst>
+          </p:cNvPr>
+          <p:cNvSpPr>
+            <a:spLocks noGrp="1"/>
+          </p:cNvSpPr>
+          <p:nvPr>
+            <p:ph idx="1"/>
+          </p:nvPr>
+        </p:nvSpPr>
+        <p:spPr>
+          <a:xfrm>
+            <a:off x="838200" y="1440874"/>
+            <a:ext cx="10515600" cy="4736090"/>
           </a:xfrm>
         </p:spPr>
         <p:txBody>
-          <a:bodyPr/>
-          <a:lstStyle/>
-          <a:p>
-            <a:r>
-              <a:rPr lang="en-US" dirty="0"/>
-              <a:t>Presentation Resources</a:t>
-            </a:r>
-          </a:p>
-        </p:txBody>
-      </p:sp>
-      <p:sp>
-        <p:nvSpPr>
-          <p:cNvPr id="3" name="Content Placeholder 2">
-            <a:extLst>
-              <a:ext uri="{FF2B5EF4-FFF2-40B4-BE49-F238E27FC236}">
-                <a16:creationId xmlns:a16="http://schemas.microsoft.com/office/drawing/2014/main" id="{63C3A9C2-6490-47D7-8E43-D14728254FDB}"/>
-              </a:ext>
-            </a:extLst>
-          </p:cNvPr>
-          <p:cNvSpPr>
-            <a:spLocks noGrp="1"/>
-          </p:cNvSpPr>
-          <p:nvPr>
-            <p:ph idx="1"/>
-          </p:nvPr>
-        </p:nvSpPr>
-        <p:spPr>
-          <a:xfrm>
-            <a:off x="838200" y="1304544"/>
-            <a:ext cx="10515600" cy="4872419"/>
-          </a:xfrm>
-        </p:spPr>
-        <p:txBody>
-          <a:bodyPr/>
-          <a:lstStyle/>
-          <a:p>
-            <a:r>
-              <a:rPr lang="en-US" dirty="0"/>
-              <a:t>The ideas discussed in this presentation are drawn from a web page: </a:t>
-            </a:r>
-            <a:br>
-              <a:rPr lang="en-US" dirty="0"/>
-            </a:br>
-            <a:r>
-              <a:rPr lang="en-US" dirty="0"/>
-              <a:t>	</a:t>
-            </a:r>
-            <a:r>
-              <a:rPr lang="en-US" dirty="0">
+          <a:bodyPr>
+            <a:noAutofit/>
+          </a:bodyPr>
+          <a:lstStyle/>
+          <a:p>
+            <a:r>
+              <a:rPr lang="en-US" sz="2400" dirty="0"/>
+              <a:t>If you understand the models, we’ve covered, I think you will find Rust syntax and semantics to be convenient and sensible.</a:t>
+            </a:r>
+          </a:p>
+          <a:p>
+            <a:r>
+              <a:rPr lang="en-US" sz="2400" dirty="0"/>
+              <a:t>Some particular parts of the language discussed in the Rust Story but not here are intricate and require some study to master:</a:t>
+            </a:r>
+          </a:p>
+          <a:p>
+            <a:pPr lvl="1"/>
+            <a:r>
+              <a:rPr lang="en-US" sz="2000" dirty="0"/>
+              <a:t>String syntax and semantics because the only character type Rust recognizes in its native strings, String and Str, is utf-8, which uses multi-byte characters of varying sizes.</a:t>
+            </a:r>
+          </a:p>
+          <a:p>
+            <a:pPr lvl="1"/>
+            <a:r>
+              <a:rPr lang="en-US" sz="2000" dirty="0"/>
+              <a:t>Life-time annotation needed for some scenarios using generics.</a:t>
+            </a:r>
+          </a:p>
+          <a:p>
+            <a:pPr lvl="1"/>
+            <a:r>
+              <a:rPr lang="en-US" sz="2000" dirty="0"/>
+              <a:t>Many crates in </a:t>
+            </a:r>
+            <a:r>
+              <a:rPr lang="en-US" sz="2000" dirty="0">
                 <a:hlinkClick r:id="rId2"/>
               </a:rPr>
-              <a:t>https://jimfawcett.github.io/RustStory_Models.html</a:t>
-            </a:r>
-            <a:br>
-              <a:rPr lang="en-US" dirty="0"/>
-            </a:br>
-            <a:br>
-              <a:rPr lang="en-US" dirty="0"/>
-            </a:br>
-            <a:r>
-              <a:rPr lang="en-US" dirty="0"/>
-              <a:t>which is part of the Rust Story:</a:t>
-            </a:r>
-            <a:br>
-              <a:rPr lang="en-US" dirty="0"/>
-            </a:br>
-            <a:r>
-              <a:rPr lang="en-US" dirty="0"/>
-              <a:t>	</a:t>
-            </a:r>
-            <a:r>
-              <a:rPr lang="en-US" dirty="0">
-                <a:hlinkClick r:id="rId3"/>
-              </a:rPr>
-              <a:t>https://jimfawcett.github.io/RustStory_Prologue.html</a:t>
-            </a:r>
-            <a:r>
-              <a:rPr lang="en-US" dirty="0"/>
-              <a:t>   </a:t>
-            </a:r>
-            <a:br>
-              <a:rPr lang="en-US" dirty="0"/>
-            </a:br>
-            <a:endParaRPr lang="en-US" dirty="0"/>
-          </a:p>
-          <a:p>
-            <a:r>
-              <a:rPr lang="en-US" dirty="0"/>
-              <a:t>And code examples for the story are documented here:</a:t>
-            </a:r>
-            <a:br>
-              <a:rPr lang="en-US" dirty="0"/>
-            </a:br>
-            <a:r>
-              <a:rPr lang="en-US" dirty="0"/>
-              <a:t>	</a:t>
-            </a:r>
-            <a:r>
-              <a:rPr lang="en-US" dirty="0">
-                <a:hlinkClick r:id="rId4"/>
-              </a:rPr>
-              <a:t>https://jimfawcett.github.io/RustBasicDemos.html</a:t>
-            </a:r>
-            <a:br>
-              <a:rPr lang="en-US" dirty="0"/>
-            </a:br>
-            <a:endParaRPr lang="en-US" dirty="0"/>
-          </a:p>
-          <a:p>
-            <a:r>
-              <a:rPr lang="en-US" dirty="0"/>
-              <a:t>These slides are available here:</a:t>
-            </a:r>
-            <a:br>
-              <a:rPr lang="en-US" dirty="0"/>
-            </a:br>
-            <a:r>
-              <a:rPr lang="en-US" dirty="0"/>
-              <a:t>	</a:t>
-            </a:r>
-            <a:r>
-              <a:rPr lang="en-US" dirty="0">
-                <a:hlinkClick r:id="rId5"/>
-              </a:rPr>
-              <a:t>https://jimfawcett.github.io/Resources/RustModels.pdf</a:t>
-            </a:r>
-            <a:r>
-              <a:rPr lang="en-US" dirty="0"/>
-              <a:t> </a:t>
-            </a:r>
-          </a:p>
-          <a:p>
-            <a:pPr marL="0" indent="0">
-              <a:buNone/>
-            </a:pPr>
-            <a:endParaRPr lang="en-US" dirty="0"/>
+              <a:t>https://crates.io</a:t>
+            </a:r>
+            <a:r>
+              <a:rPr lang="en-US" sz="2000" dirty="0"/>
+              <a:t> are used routinely by knowledgeable Rust developers, but some take significant amounts of time and effort to use effectively.</a:t>
+            </a:r>
+          </a:p>
+          <a:p>
+            <a:r>
+              <a:rPr lang="en-US" sz="2400" dirty="0"/>
+              <a:t>Rust avoids undefined behavior by incorporating a safe type system.  That is based on the ownership rules we’ve discussed.  It takes a while to get use to the rules, but compiler error messages are usually very good.</a:t>
+            </a:r>
           </a:p>
         </p:txBody>
       </p:sp>
@@ -19761,7 +19779,7 @@
           <p:cNvPr id="4" name="Slide Number Placeholder 3">
             <a:extLst>
               <a:ext uri="{FF2B5EF4-FFF2-40B4-BE49-F238E27FC236}">
-                <a16:creationId xmlns:a16="http://schemas.microsoft.com/office/drawing/2014/main" id="{65DE1FCB-5689-4E10-A416-328ED633A2EE}"/>
+                <a16:creationId xmlns:a16="http://schemas.microsoft.com/office/drawing/2014/main" id="{5303FFBC-A3BA-4CD9-9623-2D9E837E32E7}"/>
               </a:ext>
             </a:extLst>
           </p:cNvPr>
@@ -19788,7 +19806,7 @@
     </p:spTree>
     <p:extLst>
       <p:ext uri="{BB962C8B-B14F-4D97-AF65-F5344CB8AC3E}">
-        <p14:creationId xmlns:p14="http://schemas.microsoft.com/office/powerpoint/2010/main" val="4015714117"/>
+        <p14:creationId xmlns:p14="http://schemas.microsoft.com/office/powerpoint/2010/main" val="1695196908"/>
       </p:ext>
     </p:extLst>
   </p:cSld>
@@ -19938,6 +19956,227 @@
           <p:cNvPr id="2" name="Title 1">
             <a:extLst>
               <a:ext uri="{FF2B5EF4-FFF2-40B4-BE49-F238E27FC236}">
+                <a16:creationId xmlns:a16="http://schemas.microsoft.com/office/drawing/2014/main" id="{AE2C4E24-F41A-43B6-8514-8753B0BF4B56}"/>
+              </a:ext>
+            </a:extLst>
+          </p:cNvPr>
+          <p:cNvSpPr>
+            <a:spLocks noGrp="1"/>
+          </p:cNvSpPr>
+          <p:nvPr>
+            <p:ph type="title"/>
+          </p:nvPr>
+        </p:nvSpPr>
+        <p:spPr>
+          <a:xfrm>
+            <a:off x="838200" y="365126"/>
+            <a:ext cx="10515600" cy="780922"/>
+          </a:xfrm>
+        </p:spPr>
+        <p:txBody>
+          <a:bodyPr/>
+          <a:lstStyle/>
+          <a:p>
+            <a:r>
+              <a:rPr lang="en-US" dirty="0"/>
+              <a:t>Presentation Resources</a:t>
+            </a:r>
+          </a:p>
+        </p:txBody>
+      </p:sp>
+      <p:sp>
+        <p:nvSpPr>
+          <p:cNvPr id="3" name="Content Placeholder 2">
+            <a:extLst>
+              <a:ext uri="{FF2B5EF4-FFF2-40B4-BE49-F238E27FC236}">
+                <a16:creationId xmlns:a16="http://schemas.microsoft.com/office/drawing/2014/main" id="{63C3A9C2-6490-47D7-8E43-D14728254FDB}"/>
+              </a:ext>
+            </a:extLst>
+          </p:cNvPr>
+          <p:cNvSpPr>
+            <a:spLocks noGrp="1"/>
+          </p:cNvSpPr>
+          <p:nvPr>
+            <p:ph idx="1"/>
+          </p:nvPr>
+        </p:nvSpPr>
+        <p:spPr>
+          <a:xfrm>
+            <a:off x="838200" y="1304544"/>
+            <a:ext cx="10515600" cy="4872419"/>
+          </a:xfrm>
+        </p:spPr>
+        <p:txBody>
+          <a:bodyPr/>
+          <a:lstStyle/>
+          <a:p>
+            <a:r>
+              <a:rPr lang="en-US" dirty="0"/>
+              <a:t>The ideas discussed in this presentation are drawn from a web page: </a:t>
+            </a:r>
+            <a:br>
+              <a:rPr lang="en-US" dirty="0"/>
+            </a:br>
+            <a:r>
+              <a:rPr lang="en-US" dirty="0"/>
+              <a:t>	</a:t>
+            </a:r>
+            <a:r>
+              <a:rPr lang="en-US" dirty="0">
+                <a:hlinkClick r:id="rId2"/>
+              </a:rPr>
+              <a:t>https://jimfawcett.github.io/RustStory_Models.html</a:t>
+            </a:r>
+            <a:br>
+              <a:rPr lang="en-US" dirty="0"/>
+            </a:br>
+            <a:br>
+              <a:rPr lang="en-US" dirty="0"/>
+            </a:br>
+            <a:r>
+              <a:rPr lang="en-US" dirty="0"/>
+              <a:t>which is part of the Rust Story:</a:t>
+            </a:r>
+            <a:br>
+              <a:rPr lang="en-US" dirty="0"/>
+            </a:br>
+            <a:r>
+              <a:rPr lang="en-US" dirty="0"/>
+              <a:t>	</a:t>
+            </a:r>
+            <a:r>
+              <a:rPr lang="en-US" dirty="0">
+                <a:hlinkClick r:id="rId3"/>
+              </a:rPr>
+              <a:t>https://jimfawcett.github.io/RustStory_Prologue.html</a:t>
+            </a:r>
+            <a:r>
+              <a:rPr lang="en-US" dirty="0"/>
+              <a:t>   </a:t>
+            </a:r>
+            <a:br>
+              <a:rPr lang="en-US" dirty="0"/>
+            </a:br>
+            <a:endParaRPr lang="en-US" dirty="0"/>
+          </a:p>
+          <a:p>
+            <a:r>
+              <a:rPr lang="en-US" dirty="0"/>
+              <a:t>And code examples for the story are documented here:</a:t>
+            </a:r>
+            <a:br>
+              <a:rPr lang="en-US" dirty="0"/>
+            </a:br>
+            <a:r>
+              <a:rPr lang="en-US" dirty="0"/>
+              <a:t>	</a:t>
+            </a:r>
+            <a:r>
+              <a:rPr lang="en-US" dirty="0">
+                <a:hlinkClick r:id="rId4"/>
+              </a:rPr>
+              <a:t>https://jimfawcett.github.io/RustStoryRepo.html</a:t>
+            </a:r>
+            <a:br>
+              <a:rPr lang="en-US" dirty="0"/>
+            </a:br>
+            <a:endParaRPr lang="en-US" dirty="0"/>
+          </a:p>
+          <a:p>
+            <a:r>
+              <a:rPr lang="en-US" dirty="0"/>
+              <a:t>These slides are available here:</a:t>
+            </a:r>
+            <a:br>
+              <a:rPr lang="en-US" dirty="0"/>
+            </a:br>
+            <a:r>
+              <a:rPr lang="en-US" dirty="0"/>
+              <a:t>	</a:t>
+            </a:r>
+            <a:r>
+              <a:rPr lang="en-US" dirty="0">
+                <a:hlinkClick r:id="rId5"/>
+              </a:rPr>
+              <a:t>https://jimfawcett.github.io/Resources/RustTour.pdf</a:t>
+            </a:r>
+            <a:r>
+              <a:rPr lang="en-US" dirty="0"/>
+              <a:t> </a:t>
+            </a:r>
+          </a:p>
+          <a:p>
+            <a:pPr marL="0" indent="0">
+              <a:buNone/>
+            </a:pPr>
+            <a:endParaRPr lang="en-US" dirty="0"/>
+          </a:p>
+        </p:txBody>
+      </p:sp>
+      <p:sp>
+        <p:nvSpPr>
+          <p:cNvPr id="4" name="Slide Number Placeholder 3">
+            <a:extLst>
+              <a:ext uri="{FF2B5EF4-FFF2-40B4-BE49-F238E27FC236}">
+                <a16:creationId xmlns:a16="http://schemas.microsoft.com/office/drawing/2014/main" id="{65DE1FCB-5689-4E10-A416-328ED633A2EE}"/>
+              </a:ext>
+            </a:extLst>
+          </p:cNvPr>
+          <p:cNvSpPr>
+            <a:spLocks noGrp="1"/>
+          </p:cNvSpPr>
+          <p:nvPr>
+            <p:ph type="sldNum" sz="quarter" idx="12"/>
+          </p:nvPr>
+        </p:nvSpPr>
+        <p:spPr/>
+        <p:txBody>
+          <a:bodyPr/>
+          <a:lstStyle/>
+          <a:p>
+            <a:fld id="{519FA752-D1CF-498F-B0BD-05E47309CED3}" type="slidenum">
+              <a:rPr lang="en-US" smtClean="0"/>
+              <a:t>60</a:t>
+            </a:fld>
+            <a:endParaRPr lang="en-US"/>
+          </a:p>
+        </p:txBody>
+      </p:sp>
+    </p:spTree>
+    <p:extLst>
+      <p:ext uri="{BB962C8B-B14F-4D97-AF65-F5344CB8AC3E}">
+        <p14:creationId xmlns:p14="http://schemas.microsoft.com/office/powerpoint/2010/main" val="4015714117"/>
+      </p:ext>
+    </p:extLst>
+  </p:cSld>
+  <p:clrMapOvr>
+    <a:masterClrMapping/>
+  </p:clrMapOvr>
+</p:sld>
+</file>
+
+<file path=ppt/slides/slide61.xml><?xml version="1.0" encoding="utf-8"?>
+<p:sld xmlns:a="http://schemas.openxmlformats.org/drawingml/2006/main" xmlns:r="http://schemas.openxmlformats.org/officeDocument/2006/relationships" xmlns:p="http://schemas.openxmlformats.org/presentationml/2006/main">
+  <p:cSld>
+    <p:spTree>
+      <p:nvGrpSpPr>
+        <p:cNvPr id="1" name=""/>
+        <p:cNvGrpSpPr/>
+        <p:nvPr/>
+      </p:nvGrpSpPr>
+      <p:grpSpPr>
+        <a:xfrm>
+          <a:off x="0" y="0"/>
+          <a:ext cx="0" cy="0"/>
+          <a:chOff x="0" y="0"/>
+          <a:chExt cx="0" cy="0"/>
+        </a:xfrm>
+      </p:grpSpPr>
+      <p:sp>
+        <p:nvSpPr>
+          <p:cNvPr id="2" name="Title 1">
+            <a:extLst>
+              <a:ext uri="{FF2B5EF4-FFF2-40B4-BE49-F238E27FC236}">
                 <a16:creationId xmlns:a16="http://schemas.microsoft.com/office/drawing/2014/main" id="{5D569161-EBD9-48DC-ABCC-6F0F71A6E502}"/>
               </a:ext>
             </a:extLst>
@@ -20110,7 +20349,7 @@
           <a:p>
             <a:fld id="{519FA752-D1CF-498F-B0BD-05E47309CED3}" type="slidenum">
               <a:rPr lang="en-US" smtClean="0"/>
-              <a:t>60</a:t>
+              <a:t>61</a:t>
             </a:fld>
             <a:endParaRPr lang="en-US"/>
           </a:p>

--- a/Resources/RustTour.pptx
+++ b/Resources/RustTour.pptx
@@ -257,7 +257,7 @@
           <a:p>
             <a:fld id="{8B9DEAE6-0538-4445-AC69-E9546F37B6FF}" type="datetimeFigureOut">
               <a:rPr lang="en-US" smtClean="0"/>
-              <a:t>4/14/2020</a:t>
+              <a:t>4/18/2020</a:t>
             </a:fld>
             <a:endParaRPr lang="en-US"/>
           </a:p>
@@ -671,7 +671,7 @@
           <a:p>
             <a:fld id="{F59BA8CD-9D66-40F3-B663-5AE3FCC8E640}" type="datetime1">
               <a:rPr lang="en-US" smtClean="0"/>
-              <a:t>4/14/2020</a:t>
+              <a:t>4/18/2020</a:t>
             </a:fld>
             <a:endParaRPr lang="en-US"/>
           </a:p>
@@ -869,7 +869,7 @@
           <a:p>
             <a:fld id="{AE815081-8781-4CE2-BA8A-F30EB62592DB}" type="datetime1">
               <a:rPr lang="en-US" smtClean="0"/>
-              <a:t>4/14/2020</a:t>
+              <a:t>4/18/2020</a:t>
             </a:fld>
             <a:endParaRPr lang="en-US"/>
           </a:p>
@@ -1077,7 +1077,7 @@
           <a:p>
             <a:fld id="{1436B19E-3845-4454-9B00-81A37311B2DB}" type="datetime1">
               <a:rPr lang="en-US" smtClean="0"/>
-              <a:t>4/14/2020</a:t>
+              <a:t>4/18/2020</a:t>
             </a:fld>
             <a:endParaRPr lang="en-US"/>
           </a:p>
@@ -1285,7 +1285,7 @@
           <a:p>
             <a:fld id="{51BD0182-F02D-41FA-88F8-DAAE45FECD96}" type="datetime1">
               <a:rPr lang="en-US" smtClean="0"/>
-              <a:t>4/14/2020</a:t>
+              <a:t>4/18/2020</a:t>
             </a:fld>
             <a:endParaRPr lang="en-US"/>
           </a:p>
@@ -1565,7 +1565,7 @@
           <a:p>
             <a:fld id="{97DD5E3A-970B-45DB-AC65-C654B1C83769}" type="datetime1">
               <a:rPr lang="en-US" smtClean="0"/>
-              <a:t>4/14/2020</a:t>
+              <a:t>4/18/2020</a:t>
             </a:fld>
             <a:endParaRPr lang="en-US"/>
           </a:p>
@@ -1835,7 +1835,7 @@
           <a:p>
             <a:fld id="{A0C75F36-CE33-4D01-AEC1-8AE85EBDD5C0}" type="datetime1">
               <a:rPr lang="en-US" smtClean="0"/>
-              <a:t>4/14/2020</a:t>
+              <a:t>4/18/2020</a:t>
             </a:fld>
             <a:endParaRPr lang="en-US"/>
           </a:p>
@@ -2252,7 +2252,7 @@
           <a:p>
             <a:fld id="{2F12ED4E-FBDA-4929-861C-48D0B255396D}" type="datetime1">
               <a:rPr lang="en-US" smtClean="0"/>
-              <a:t>4/14/2020</a:t>
+              <a:t>4/18/2020</a:t>
             </a:fld>
             <a:endParaRPr lang="en-US"/>
           </a:p>
@@ -2398,7 +2398,7 @@
           <a:p>
             <a:fld id="{71274C8E-8698-45E5-8BD5-3125D835571A}" type="datetime1">
               <a:rPr lang="en-US" smtClean="0"/>
-              <a:t>4/14/2020</a:t>
+              <a:t>4/18/2020</a:t>
             </a:fld>
             <a:endParaRPr lang="en-US"/>
           </a:p>
@@ -2516,7 +2516,7 @@
           <a:p>
             <a:fld id="{EAAEADE5-9122-4DD1-9AF9-D9EE601260DA}" type="datetime1">
               <a:rPr lang="en-US" smtClean="0"/>
-              <a:t>4/14/2020</a:t>
+              <a:t>4/18/2020</a:t>
             </a:fld>
             <a:endParaRPr lang="en-US"/>
           </a:p>
@@ -2827,7 +2827,7 @@
           <a:p>
             <a:fld id="{AF0EE2CB-ACA5-4190-BF2E-27B23A7D63ED}" type="datetime1">
               <a:rPr lang="en-US" smtClean="0"/>
-              <a:t>4/14/2020</a:t>
+              <a:t>4/18/2020</a:t>
             </a:fld>
             <a:endParaRPr lang="en-US"/>
           </a:p>
@@ -3115,7 +3115,7 @@
           <a:p>
             <a:fld id="{8071D197-35A9-4BC6-A7E3-13AE8964F43E}" type="datetime1">
               <a:rPr lang="en-US" smtClean="0"/>
-              <a:t>4/14/2020</a:t>
+              <a:t>4/18/2020</a:t>
             </a:fld>
             <a:endParaRPr lang="en-US"/>
           </a:p>
@@ -3356,7 +3356,7 @@
           <a:p>
             <a:fld id="{A6174D4B-69CC-457D-9299-B97313C54882}" type="datetime1">
               <a:rPr lang="en-US" smtClean="0"/>
-              <a:t>4/14/2020</a:t>
+              <a:t>4/18/2020</a:t>
             </a:fld>
             <a:endParaRPr lang="en-US"/>
           </a:p>
@@ -7965,7 +7965,7 @@
         <p:spPr>
           <a:xfrm>
             <a:off x="838200" y="1331258"/>
-            <a:ext cx="10515600" cy="5210735"/>
+            <a:ext cx="10515600" cy="4924069"/>
           </a:xfrm>
         </p:spPr>
         <p:txBody>
@@ -7998,7 +7998,7 @@
                 </a:solidFill>
                 <a:latin typeface="Consolas" panose="020B0609020204030204" pitchFamily="49" charset="0"/>
               </a:rPr>
-              <a:t>let r1: &amp;mut String = &amp;mut s;</a:t>
+              <a:t>let mut r1: &amp;String = &amp;s;</a:t>
             </a:r>
           </a:p>
           <a:p>
@@ -8010,7 +8010,7 @@
                 </a:solidFill>
                 <a:latin typeface="Consolas" panose="020B0609020204030204" pitchFamily="49" charset="0"/>
               </a:rPr>
-              <a:t>// let r2: &amp;mut String = &amp;mut s;    // won’t compile</a:t>
+              <a:t>// let mut r2: &amp;String = &amp;s;    // won’t compile</a:t>
             </a:r>
           </a:p>
           <a:p>
@@ -8022,7 +8022,7 @@
                 </a:solidFill>
                 <a:latin typeface="Consolas" panose="020B0609020204030204" pitchFamily="49" charset="0"/>
               </a:rPr>
-              <a:t>// let r3 = &amp;s;                     // won’t compile</a:t>
+              <a:t>// let r3 = &amp;s;                 // won’t compile</a:t>
             </a:r>
           </a:p>
           <a:p>
@@ -8297,7 +8297,7 @@
                 </a:solidFill>
                 <a:latin typeface="Consolas" panose="020B0609020204030204" pitchFamily="49" charset="0"/>
               </a:rPr>
-              <a:t>Let r3 = &amp;mut z;  </a:t>
+              <a:t>Let mut r3 = &amp;z;  </a:t>
             </a:r>
             <a:r>
               <a:rPr lang="en-US" dirty="0"/>

--- a/Resources/RustTour.pptx
+++ b/Resources/RustTour.pptx
@@ -257,7 +257,7 @@
           <a:p>
             <a:fld id="{8B9DEAE6-0538-4445-AC69-E9546F37B6FF}" type="datetimeFigureOut">
               <a:rPr lang="en-US" smtClean="0"/>
-              <a:t>4/18/2020</a:t>
+              <a:t>12/17/2022</a:t>
             </a:fld>
             <a:endParaRPr lang="en-US"/>
           </a:p>
@@ -671,7 +671,7 @@
           <a:p>
             <a:fld id="{F59BA8CD-9D66-40F3-B663-5AE3FCC8E640}" type="datetime1">
               <a:rPr lang="en-US" smtClean="0"/>
-              <a:t>4/18/2020</a:t>
+              <a:t>12/17/2022</a:t>
             </a:fld>
             <a:endParaRPr lang="en-US"/>
           </a:p>
@@ -869,7 +869,7 @@
           <a:p>
             <a:fld id="{AE815081-8781-4CE2-BA8A-F30EB62592DB}" type="datetime1">
               <a:rPr lang="en-US" smtClean="0"/>
-              <a:t>4/18/2020</a:t>
+              <a:t>12/17/2022</a:t>
             </a:fld>
             <a:endParaRPr lang="en-US"/>
           </a:p>
@@ -1077,7 +1077,7 @@
           <a:p>
             <a:fld id="{1436B19E-3845-4454-9B00-81A37311B2DB}" type="datetime1">
               <a:rPr lang="en-US" smtClean="0"/>
-              <a:t>4/18/2020</a:t>
+              <a:t>12/17/2022</a:t>
             </a:fld>
             <a:endParaRPr lang="en-US"/>
           </a:p>
@@ -1285,7 +1285,7 @@
           <a:p>
             <a:fld id="{51BD0182-F02D-41FA-88F8-DAAE45FECD96}" type="datetime1">
               <a:rPr lang="en-US" smtClean="0"/>
-              <a:t>4/18/2020</a:t>
+              <a:t>12/17/2022</a:t>
             </a:fld>
             <a:endParaRPr lang="en-US"/>
           </a:p>
@@ -1565,7 +1565,7 @@
           <a:p>
             <a:fld id="{97DD5E3A-970B-45DB-AC65-C654B1C83769}" type="datetime1">
               <a:rPr lang="en-US" smtClean="0"/>
-              <a:t>4/18/2020</a:t>
+              <a:t>12/17/2022</a:t>
             </a:fld>
             <a:endParaRPr lang="en-US"/>
           </a:p>
@@ -1835,7 +1835,7 @@
           <a:p>
             <a:fld id="{A0C75F36-CE33-4D01-AEC1-8AE85EBDD5C0}" type="datetime1">
               <a:rPr lang="en-US" smtClean="0"/>
-              <a:t>4/18/2020</a:t>
+              <a:t>12/17/2022</a:t>
             </a:fld>
             <a:endParaRPr lang="en-US"/>
           </a:p>
@@ -2252,7 +2252,7 @@
           <a:p>
             <a:fld id="{2F12ED4E-FBDA-4929-861C-48D0B255396D}" type="datetime1">
               <a:rPr lang="en-US" smtClean="0"/>
-              <a:t>4/18/2020</a:t>
+              <a:t>12/17/2022</a:t>
             </a:fld>
             <a:endParaRPr lang="en-US"/>
           </a:p>
@@ -2398,7 +2398,7 @@
           <a:p>
             <a:fld id="{71274C8E-8698-45E5-8BD5-3125D835571A}" type="datetime1">
               <a:rPr lang="en-US" smtClean="0"/>
-              <a:t>4/18/2020</a:t>
+              <a:t>12/17/2022</a:t>
             </a:fld>
             <a:endParaRPr lang="en-US"/>
           </a:p>
@@ -2516,7 +2516,7 @@
           <a:p>
             <a:fld id="{EAAEADE5-9122-4DD1-9AF9-D9EE601260DA}" type="datetime1">
               <a:rPr lang="en-US" smtClean="0"/>
-              <a:t>4/18/2020</a:t>
+              <a:t>12/17/2022</a:t>
             </a:fld>
             <a:endParaRPr lang="en-US"/>
           </a:p>
@@ -2827,7 +2827,7 @@
           <a:p>
             <a:fld id="{AF0EE2CB-ACA5-4190-BF2E-27B23A7D63ED}" type="datetime1">
               <a:rPr lang="en-US" smtClean="0"/>
-              <a:t>4/18/2020</a:t>
+              <a:t>12/17/2022</a:t>
             </a:fld>
             <a:endParaRPr lang="en-US"/>
           </a:p>
@@ -3115,7 +3115,7 @@
           <a:p>
             <a:fld id="{8071D197-35A9-4BC6-A7E3-13AE8964F43E}" type="datetime1">
               <a:rPr lang="en-US" smtClean="0"/>
-              <a:t>4/18/2020</a:t>
+              <a:t>12/17/2022</a:t>
             </a:fld>
             <a:endParaRPr lang="en-US"/>
           </a:p>
@@ -3356,7 +3356,7 @@
           <a:p>
             <a:fld id="{A6174D4B-69CC-457D-9299-B97313C54882}" type="datetime1">
               <a:rPr lang="en-US" smtClean="0"/>
-              <a:t>4/18/2020</a:t>
+              <a:t>12/17/2022</a:t>
             </a:fld>
             <a:endParaRPr lang="en-US"/>
           </a:p>
@@ -5610,7 +5610,7 @@
             <a:pPr lvl="1"/>
             <a:r>
               <a:rPr lang="en-US" dirty="0"/>
-              <a:t>Values are, by default, immutable, but can be made mutable</a:t>
+              <a:t>Variables are, by default, immutable, but can be made mutable</a:t>
             </a:r>
           </a:p>
           <a:p>

--- a/Resources/RustTour.pptx
+++ b/Resources/RustTour.pptx
@@ -5,7 +5,7 @@
     <p:sldMasterId id="2147483648" r:id="rId1"/>
   </p:sldMasterIdLst>
   <p:notesMasterIdLst>
-    <p:notesMasterId r:id="rId63"/>
+    <p:notesMasterId r:id="rId64"/>
   </p:notesMasterIdLst>
   <p:sldIdLst>
     <p:sldId id="256" r:id="rId2"/>
@@ -65,10 +65,11 @@
     <p:sldId id="269" r:id="rId56"/>
     <p:sldId id="270" r:id="rId57"/>
     <p:sldId id="364" r:id="rId58"/>
-    <p:sldId id="316" r:id="rId59"/>
-    <p:sldId id="281" r:id="rId60"/>
-    <p:sldId id="268" r:id="rId61"/>
-    <p:sldId id="282" r:id="rId62"/>
+    <p:sldId id="365" r:id="rId59"/>
+    <p:sldId id="316" r:id="rId60"/>
+    <p:sldId id="281" r:id="rId61"/>
+    <p:sldId id="268" r:id="rId62"/>
+    <p:sldId id="282" r:id="rId63"/>
   </p:sldIdLst>
   <p:sldSz cx="12192000" cy="6858000"/>
   <p:notesSz cx="9296400" cy="7010400"/>
@@ -257,7 +258,7 @@
           <a:p>
             <a:fld id="{8B9DEAE6-0538-4445-AC69-E9546F37B6FF}" type="datetimeFigureOut">
               <a:rPr lang="en-US" smtClean="0"/>
-              <a:t>12/17/2022</a:t>
+              <a:t>10/9/2024</a:t>
             </a:fld>
             <a:endParaRPr lang="en-US"/>
           </a:p>
@@ -671,7 +672,7 @@
           <a:p>
             <a:fld id="{F59BA8CD-9D66-40F3-B663-5AE3FCC8E640}" type="datetime1">
               <a:rPr lang="en-US" smtClean="0"/>
-              <a:t>12/17/2022</a:t>
+              <a:t>10/9/2024</a:t>
             </a:fld>
             <a:endParaRPr lang="en-US"/>
           </a:p>
@@ -869,7 +870,7 @@
           <a:p>
             <a:fld id="{AE815081-8781-4CE2-BA8A-F30EB62592DB}" type="datetime1">
               <a:rPr lang="en-US" smtClean="0"/>
-              <a:t>12/17/2022</a:t>
+              <a:t>10/9/2024</a:t>
             </a:fld>
             <a:endParaRPr lang="en-US"/>
           </a:p>
@@ -1077,7 +1078,7 @@
           <a:p>
             <a:fld id="{1436B19E-3845-4454-9B00-81A37311B2DB}" type="datetime1">
               <a:rPr lang="en-US" smtClean="0"/>
-              <a:t>12/17/2022</a:t>
+              <a:t>10/9/2024</a:t>
             </a:fld>
             <a:endParaRPr lang="en-US"/>
           </a:p>
@@ -1285,7 +1286,7 @@
           <a:p>
             <a:fld id="{51BD0182-F02D-41FA-88F8-DAAE45FECD96}" type="datetime1">
               <a:rPr lang="en-US" smtClean="0"/>
-              <a:t>12/17/2022</a:t>
+              <a:t>10/9/2024</a:t>
             </a:fld>
             <a:endParaRPr lang="en-US"/>
           </a:p>
@@ -1565,7 +1566,7 @@
           <a:p>
             <a:fld id="{97DD5E3A-970B-45DB-AC65-C654B1C83769}" type="datetime1">
               <a:rPr lang="en-US" smtClean="0"/>
-              <a:t>12/17/2022</a:t>
+              <a:t>10/9/2024</a:t>
             </a:fld>
             <a:endParaRPr lang="en-US"/>
           </a:p>
@@ -1835,7 +1836,7 @@
           <a:p>
             <a:fld id="{A0C75F36-CE33-4D01-AEC1-8AE85EBDD5C0}" type="datetime1">
               <a:rPr lang="en-US" smtClean="0"/>
-              <a:t>12/17/2022</a:t>
+              <a:t>10/9/2024</a:t>
             </a:fld>
             <a:endParaRPr lang="en-US"/>
           </a:p>
@@ -2252,7 +2253,7 @@
           <a:p>
             <a:fld id="{2F12ED4E-FBDA-4929-861C-48D0B255396D}" type="datetime1">
               <a:rPr lang="en-US" smtClean="0"/>
-              <a:t>12/17/2022</a:t>
+              <a:t>10/9/2024</a:t>
             </a:fld>
             <a:endParaRPr lang="en-US"/>
           </a:p>
@@ -2398,7 +2399,7 @@
           <a:p>
             <a:fld id="{71274C8E-8698-45E5-8BD5-3125D835571A}" type="datetime1">
               <a:rPr lang="en-US" smtClean="0"/>
-              <a:t>12/17/2022</a:t>
+              <a:t>10/9/2024</a:t>
             </a:fld>
             <a:endParaRPr lang="en-US"/>
           </a:p>
@@ -2516,7 +2517,7 @@
           <a:p>
             <a:fld id="{EAAEADE5-9122-4DD1-9AF9-D9EE601260DA}" type="datetime1">
               <a:rPr lang="en-US" smtClean="0"/>
-              <a:t>12/17/2022</a:t>
+              <a:t>10/9/2024</a:t>
             </a:fld>
             <a:endParaRPr lang="en-US"/>
           </a:p>
@@ -2827,7 +2828,7 @@
           <a:p>
             <a:fld id="{AF0EE2CB-ACA5-4190-BF2E-27B23A7D63ED}" type="datetime1">
               <a:rPr lang="en-US" smtClean="0"/>
-              <a:t>12/17/2022</a:t>
+              <a:t>10/9/2024</a:t>
             </a:fld>
             <a:endParaRPr lang="en-US"/>
           </a:p>
@@ -3115,7 +3116,7 @@
           <a:p>
             <a:fld id="{8071D197-35A9-4BC6-A7E3-13AE8964F43E}" type="datetime1">
               <a:rPr lang="en-US" smtClean="0"/>
-              <a:t>12/17/2022</a:t>
+              <a:t>10/9/2024</a:t>
             </a:fld>
             <a:endParaRPr lang="en-US"/>
           </a:p>
@@ -3356,7 +3357,7 @@
           <a:p>
             <a:fld id="{A6174D4B-69CC-457D-9299-B97313C54882}" type="datetime1">
               <a:rPr lang="en-US" smtClean="0"/>
-              <a:t>12/17/2022</a:t>
+              <a:t>10/9/2024</a:t>
             </a:fld>
             <a:endParaRPr lang="en-US"/>
           </a:p>
@@ -4744,7 +4745,7 @@
             <a:pPr lvl="1"/>
             <a:r>
               <a:rPr lang="en-US" dirty="0"/>
-              <a:t>With Rust you can’t get undefined behavior (UB) – most often programs fail to compile if they would have UB.</a:t>
+              <a:t>With Rust you can’t get undefined behavior (UB) – programs fail to compile if they would have UB.</a:t>
             </a:r>
           </a:p>
           <a:p>
@@ -5609,8 +5610,12 @@
           <a:p>
             <a:pPr lvl="1"/>
             <a:r>
-              <a:rPr lang="en-US" dirty="0"/>
-              <a:t>Variables are, by default, immutable, but can be made mutable</a:t>
+              <a:rPr lang="en-US"/>
+              <a:t>Variables </a:t>
+            </a:r>
+            <a:r>
+              <a:rPr lang="en-US" dirty="0"/>
+              <a:t>are, by default, immutable, but can be made mutable</a:t>
             </a:r>
           </a:p>
           <a:p>
@@ -6822,7 +6827,7 @@
             <a:pPr lvl="1"/>
             <a:r>
               <a:rPr lang="en-US" dirty="0"/>
-              <a:t>So now t owns the string and s is marked as invalid.</a:t>
+              <a:t>So now t owns the string and s will be identified as invalid by borrow-checker.</a:t>
             </a:r>
           </a:p>
           <a:p>
@@ -7368,7 +7373,7 @@
                 </a:solidFill>
                 <a:latin typeface="Consolas" panose="020B0609020204030204" pitchFamily="49" charset="0"/>
               </a:rPr>
-              <a:t>let mut r = &amp;v;  // r has exclusively borrowed v’s ownership</a:t>
+              <a:t>let r = &amp;mut v;  // r has exclusively borrowed v’s ownership</a:t>
             </a:r>
           </a:p>
           <a:p>
@@ -7553,7 +7558,7 @@
 </file>
 
 <file path=ppt/slides/slide26.xml><?xml version="1.0" encoding="utf-8"?>
-<p:sld xmlns:a="http://schemas.openxmlformats.org/drawingml/2006/main" xmlns:r="http://schemas.openxmlformats.org/officeDocument/2006/relationships" xmlns:p="http://schemas.openxmlformats.org/presentationml/2006/main">
+<p:sld xmlns:a="http://schemas.openxmlformats.org/drawingml/2006/main" xmlns:r="http://schemas.openxmlformats.org/officeDocument/2006/relationships" xmlns:p="http://schemas.openxmlformats.org/presentationml/2006/main" show="0">
   <p:cSld>
     <p:spTree>
       <p:nvGrpSpPr>
@@ -7673,7 +7678,7 @@
 </file>
 
 <file path=ppt/slides/slide27.xml><?xml version="1.0" encoding="utf-8"?>
-<p:sld xmlns:a="http://schemas.openxmlformats.org/drawingml/2006/main" xmlns:r="http://schemas.openxmlformats.org/officeDocument/2006/relationships" xmlns:p="http://schemas.openxmlformats.org/presentationml/2006/main">
+<p:sld xmlns:a="http://schemas.openxmlformats.org/drawingml/2006/main" xmlns:r="http://schemas.openxmlformats.org/officeDocument/2006/relationships" xmlns:p="http://schemas.openxmlformats.org/presentationml/2006/main" show="0">
   <p:cSld>
     <p:spTree>
       <p:nvGrpSpPr>
@@ -7897,7 +7902,7 @@
 </file>
 
 <file path=ppt/slides/slide28.xml><?xml version="1.0" encoding="utf-8"?>
-<p:sld xmlns:a="http://schemas.openxmlformats.org/drawingml/2006/main" xmlns:r="http://schemas.openxmlformats.org/officeDocument/2006/relationships" xmlns:p="http://schemas.openxmlformats.org/presentationml/2006/main">
+<p:sld xmlns:a="http://schemas.openxmlformats.org/drawingml/2006/main" xmlns:r="http://schemas.openxmlformats.org/officeDocument/2006/relationships" xmlns:p="http://schemas.openxmlformats.org/presentationml/2006/main" show="0">
   <p:cSld>
     <p:spTree>
       <p:nvGrpSpPr>
@@ -7965,7 +7970,7 @@
         <p:spPr>
           <a:xfrm>
             <a:off x="838200" y="1331258"/>
-            <a:ext cx="10515600" cy="4924069"/>
+            <a:ext cx="10515600" cy="5210735"/>
           </a:xfrm>
         </p:spPr>
         <p:txBody>
@@ -7998,7 +8003,7 @@
                 </a:solidFill>
                 <a:latin typeface="Consolas" panose="020B0609020204030204" pitchFamily="49" charset="0"/>
               </a:rPr>
-              <a:t>let mut r1: &amp;String = &amp;s;</a:t>
+              <a:t>let mut r1: &amp;String = &amp;mut s;</a:t>
             </a:r>
           </a:p>
           <a:p>
@@ -8010,7 +8015,7 @@
                 </a:solidFill>
                 <a:latin typeface="Consolas" panose="020B0609020204030204" pitchFamily="49" charset="0"/>
               </a:rPr>
-              <a:t>// let mut r2: &amp;String = &amp;s;    // won’t compile</a:t>
+              <a:t>// let r2: &amp;mut String = &amp;mut s;    // won’t compile</a:t>
             </a:r>
           </a:p>
           <a:p>
@@ -8022,7 +8027,7 @@
                 </a:solidFill>
                 <a:latin typeface="Consolas" panose="020B0609020204030204" pitchFamily="49" charset="0"/>
               </a:rPr>
-              <a:t>// let r3 = &amp;s;                 // won’t compile</a:t>
+              <a:t>// let r3 = &amp;s;                     // won’t compile</a:t>
             </a:r>
           </a:p>
           <a:p>
@@ -8297,7 +8302,7 @@
                 </a:solidFill>
                 <a:latin typeface="Consolas" panose="020B0609020204030204" pitchFamily="49" charset="0"/>
               </a:rPr>
-              <a:t>Let mut r3 = &amp;z;  </a:t>
+              <a:t>Let r3 = &amp;mut z;  </a:t>
             </a:r>
             <a:r>
               <a:rPr lang="en-US" dirty="0"/>
@@ -8307,7 +8312,7 @@
           <a:p>
             <a:r>
               <a:rPr lang="en-US" dirty="0"/>
-              <a:t>References become inactive when they go out of scope or are dropped:</a:t>
+              <a:t>Mutable references become inactive when they go out of scope or are dropped:</a:t>
             </a:r>
           </a:p>
           <a:p>
@@ -15098,7 +15103,7 @@
 </file>
 
 <file path=ppt/slides/slide43.xml><?xml version="1.0" encoding="utf-8"?>
-<p:sld xmlns:a="http://schemas.openxmlformats.org/drawingml/2006/main" xmlns:r="http://schemas.openxmlformats.org/officeDocument/2006/relationships" xmlns:p="http://schemas.openxmlformats.org/presentationml/2006/main">
+<p:sld xmlns:a="http://schemas.openxmlformats.org/drawingml/2006/main" xmlns:r="http://schemas.openxmlformats.org/officeDocument/2006/relationships" xmlns:p="http://schemas.openxmlformats.org/presentationml/2006/main" show="0">
   <p:cSld>
     <p:spTree>
       <p:nvGrpSpPr>
@@ -15321,7 +15326,7 @@
 </file>
 
 <file path=ppt/slides/slide44.xml><?xml version="1.0" encoding="utf-8"?>
-<p:sld xmlns:a="http://schemas.openxmlformats.org/drawingml/2006/main" xmlns:r="http://schemas.openxmlformats.org/officeDocument/2006/relationships" xmlns:p="http://schemas.openxmlformats.org/presentationml/2006/main">
+<p:sld xmlns:a="http://schemas.openxmlformats.org/drawingml/2006/main" xmlns:r="http://schemas.openxmlformats.org/officeDocument/2006/relationships" xmlns:p="http://schemas.openxmlformats.org/presentationml/2006/main" show="0">
   <p:cSld>
     <p:spTree>
       <p:nvGrpSpPr>
@@ -15552,7 +15557,7 @@
 </file>
 
 <file path=ppt/slides/slide45.xml><?xml version="1.0" encoding="utf-8"?>
-<p:sld xmlns:a="http://schemas.openxmlformats.org/drawingml/2006/main" xmlns:r="http://schemas.openxmlformats.org/officeDocument/2006/relationships" xmlns:p="http://schemas.openxmlformats.org/presentationml/2006/main">
+<p:sld xmlns:a="http://schemas.openxmlformats.org/drawingml/2006/main" xmlns:r="http://schemas.openxmlformats.org/officeDocument/2006/relationships" xmlns:p="http://schemas.openxmlformats.org/presentationml/2006/main" show="0">
   <p:cSld>
     <p:spTree>
       <p:nvGrpSpPr>
@@ -15869,7 +15874,7 @@
 </file>
 
 <file path=ppt/slides/slide46.xml><?xml version="1.0" encoding="utf-8"?>
-<p:sld xmlns:a="http://schemas.openxmlformats.org/drawingml/2006/main" xmlns:r="http://schemas.openxmlformats.org/officeDocument/2006/relationships" xmlns:p="http://schemas.openxmlformats.org/presentationml/2006/main">
+<p:sld xmlns:a="http://schemas.openxmlformats.org/drawingml/2006/main" xmlns:r="http://schemas.openxmlformats.org/officeDocument/2006/relationships" xmlns:p="http://schemas.openxmlformats.org/presentationml/2006/main" show="0">
   <p:cSld>
     <p:spTree>
       <p:nvGrpSpPr>
@@ -16090,7 +16095,7 @@
 </file>
 
 <file path=ppt/slides/slide47.xml><?xml version="1.0" encoding="utf-8"?>
-<p:sld xmlns:a="http://schemas.openxmlformats.org/drawingml/2006/main" xmlns:r="http://schemas.openxmlformats.org/officeDocument/2006/relationships" xmlns:p="http://schemas.openxmlformats.org/presentationml/2006/main">
+<p:sld xmlns:a="http://schemas.openxmlformats.org/drawingml/2006/main" xmlns:r="http://schemas.openxmlformats.org/officeDocument/2006/relationships" xmlns:p="http://schemas.openxmlformats.org/presentationml/2006/main" show="0">
   <p:cSld>
     <p:spTree>
       <p:nvGrpSpPr>
@@ -16288,7 +16293,7 @@
 </file>
 
 <file path=ppt/slides/slide48.xml><?xml version="1.0" encoding="utf-8"?>
-<p:sld xmlns:a="http://schemas.openxmlformats.org/drawingml/2006/main" xmlns:r="http://schemas.openxmlformats.org/officeDocument/2006/relationships" xmlns:p="http://schemas.openxmlformats.org/presentationml/2006/main">
+<p:sld xmlns:a="http://schemas.openxmlformats.org/drawingml/2006/main" xmlns:r="http://schemas.openxmlformats.org/officeDocument/2006/relationships" xmlns:p="http://schemas.openxmlformats.org/presentationml/2006/main" show="0">
   <p:cSld>
     <p:spTree>
       <p:nvGrpSpPr>
@@ -16531,7 +16536,7 @@
 </file>
 
 <file path=ppt/slides/slide49.xml><?xml version="1.0" encoding="utf-8"?>
-<p:sld xmlns:a="http://schemas.openxmlformats.org/drawingml/2006/main" xmlns:r="http://schemas.openxmlformats.org/officeDocument/2006/relationships" xmlns:p="http://schemas.openxmlformats.org/presentationml/2006/main">
+<p:sld xmlns:a="http://schemas.openxmlformats.org/drawingml/2006/main" xmlns:r="http://schemas.openxmlformats.org/officeDocument/2006/relationships" xmlns:p="http://schemas.openxmlformats.org/presentationml/2006/main" show="0">
   <p:cSld>
     <p:spTree>
       <p:nvGrpSpPr>
@@ -17045,7 +17050,7 @@
 </file>
 
 <file path=ppt/slides/slide50.xml><?xml version="1.0" encoding="utf-8"?>
-<p:sld xmlns:a="http://schemas.openxmlformats.org/drawingml/2006/main" xmlns:r="http://schemas.openxmlformats.org/officeDocument/2006/relationships" xmlns:p="http://schemas.openxmlformats.org/presentationml/2006/main">
+<p:sld xmlns:a="http://schemas.openxmlformats.org/drawingml/2006/main" xmlns:r="http://schemas.openxmlformats.org/officeDocument/2006/relationships" xmlns:p="http://schemas.openxmlformats.org/presentationml/2006/main" show="0">
   <p:cSld>
     <p:spTree>
       <p:nvGrpSpPr>
@@ -17738,7 +17743,7 @@
 </file>
 
 <file path=ppt/slides/slide51.xml><?xml version="1.0" encoding="utf-8"?>
-<p:sld xmlns:a="http://schemas.openxmlformats.org/drawingml/2006/main" xmlns:r="http://schemas.openxmlformats.org/officeDocument/2006/relationships" xmlns:p="http://schemas.openxmlformats.org/presentationml/2006/main">
+<p:sld xmlns:a="http://schemas.openxmlformats.org/drawingml/2006/main" xmlns:r="http://schemas.openxmlformats.org/officeDocument/2006/relationships" xmlns:p="http://schemas.openxmlformats.org/presentationml/2006/main" show="0">
   <p:cSld>
     <p:spTree>
       <p:nvGrpSpPr>
@@ -18012,7 +18017,7 @@
 </file>
 
 <file path=ppt/slides/slide52.xml><?xml version="1.0" encoding="utf-8"?>
-<p:sld xmlns:a="http://schemas.openxmlformats.org/drawingml/2006/main" xmlns:r="http://schemas.openxmlformats.org/officeDocument/2006/relationships" xmlns:p="http://schemas.openxmlformats.org/presentationml/2006/main">
+<p:sld xmlns:a="http://schemas.openxmlformats.org/drawingml/2006/main" xmlns:r="http://schemas.openxmlformats.org/officeDocument/2006/relationships" xmlns:p="http://schemas.openxmlformats.org/presentationml/2006/main" show="0">
   <p:cSld>
     <p:spTree>
       <p:nvGrpSpPr>
@@ -18693,7 +18698,7 @@
 </file>
 
 <file path=ppt/slides/slide54.xml><?xml version="1.0" encoding="utf-8"?>
-<p:sld xmlns:a="http://schemas.openxmlformats.org/drawingml/2006/main" xmlns:r="http://schemas.openxmlformats.org/officeDocument/2006/relationships" xmlns:p="http://schemas.openxmlformats.org/presentationml/2006/main">
+<p:sld xmlns:a="http://schemas.openxmlformats.org/drawingml/2006/main" xmlns:r="http://schemas.openxmlformats.org/officeDocument/2006/relationships" xmlns:p="http://schemas.openxmlformats.org/presentationml/2006/main" show="0">
   <p:cSld>
     <p:spTree>
       <p:nvGrpSpPr>
@@ -18885,7 +18890,7 @@
 </file>
 
 <file path=ppt/slides/slide55.xml><?xml version="1.0" encoding="utf-8"?>
-<p:sld xmlns:a="http://schemas.openxmlformats.org/drawingml/2006/main" xmlns:r="http://schemas.openxmlformats.org/officeDocument/2006/relationships" xmlns:p="http://schemas.openxmlformats.org/presentationml/2006/main">
+<p:sld xmlns:a="http://schemas.openxmlformats.org/drawingml/2006/main" xmlns:r="http://schemas.openxmlformats.org/officeDocument/2006/relationships" xmlns:p="http://schemas.openxmlformats.org/presentationml/2006/main" show="0">
   <p:cSld>
     <p:spTree>
       <p:nvGrpSpPr>
@@ -19067,7 +19072,7 @@
 </file>
 
 <file path=ppt/slides/slide56.xml><?xml version="1.0" encoding="utf-8"?>
-<p:sld xmlns:a="http://schemas.openxmlformats.org/drawingml/2006/main" xmlns:r="http://schemas.openxmlformats.org/officeDocument/2006/relationships" xmlns:p="http://schemas.openxmlformats.org/presentationml/2006/main">
+<p:sld xmlns:a="http://schemas.openxmlformats.org/drawingml/2006/main" xmlns:r="http://schemas.openxmlformats.org/officeDocument/2006/relationships" xmlns:p="http://schemas.openxmlformats.org/presentationml/2006/main" show="0">
   <p:cSld>
     <p:spTree>
       <p:nvGrpSpPr>
@@ -19555,21 +19560,21 @@
           <p:cNvPr id="2" name="Title 1">
             <a:extLst>
               <a:ext uri="{FF2B5EF4-FFF2-40B4-BE49-F238E27FC236}">
-                <a16:creationId xmlns:a16="http://schemas.microsoft.com/office/drawing/2014/main" id="{7931F950-B483-4831-A37F-784D41C54C0E}"/>
-              </a:ext>
-            </a:extLst>
-          </p:cNvPr>
-          <p:cNvSpPr>
-            <a:spLocks noGrp="1"/>
-          </p:cNvSpPr>
-          <p:nvPr>
-            <p:ph type="ctrTitle"/>
+                <a16:creationId xmlns:a16="http://schemas.microsoft.com/office/drawing/2014/main" id="{509999B9-F98C-49FC-BB90-2EBF2A4F5418}"/>
+              </a:ext>
+            </a:extLst>
+          </p:cNvPr>
+          <p:cNvSpPr>
+            <a:spLocks noGrp="1"/>
+          </p:cNvSpPr>
+          <p:nvPr>
+            <p:ph type="title"/>
           </p:nvPr>
         </p:nvSpPr>
         <p:spPr>
           <a:xfrm>
-            <a:off x="1524000" y="1122363"/>
-            <a:ext cx="9144000" cy="2155310"/>
+            <a:off x="838200" y="365126"/>
+            <a:ext cx="10515600" cy="466148"/>
           </a:xfrm>
         </p:spPr>
         <p:txBody>
@@ -19578,62 +19583,158 @@
           <a:p>
             <a:r>
               <a:rPr lang="en-US" dirty="0"/>
-              <a:t>Epilog</a:t>
-            </a:r>
-          </a:p>
-        </p:txBody>
-      </p:sp>
-      <p:sp>
-        <p:nvSpPr>
-          <p:cNvPr id="3" name="Subtitle 2">
-            <a:extLst>
-              <a:ext uri="{FF2B5EF4-FFF2-40B4-BE49-F238E27FC236}">
-                <a16:creationId xmlns:a16="http://schemas.microsoft.com/office/drawing/2014/main" id="{D9CD4FAC-1FAC-470C-A1D5-392002A7D018}"/>
-              </a:ext>
-            </a:extLst>
-          </p:cNvPr>
-          <p:cNvSpPr>
-            <a:spLocks noGrp="1"/>
-          </p:cNvSpPr>
-          <p:nvPr>
-            <p:ph type="subTitle" idx="1"/>
+              <a:t>Rust Gain Points</a:t>
+            </a:r>
+          </a:p>
+        </p:txBody>
+      </p:sp>
+      <p:sp>
+        <p:nvSpPr>
+          <p:cNvPr id="3" name="Content Placeholder 2">
+            <a:extLst>
+              <a:ext uri="{FF2B5EF4-FFF2-40B4-BE49-F238E27FC236}">
+                <a16:creationId xmlns:a16="http://schemas.microsoft.com/office/drawing/2014/main" id="{5576129F-1B36-4CFF-8737-B835FAC0B0F8}"/>
+              </a:ext>
+            </a:extLst>
+          </p:cNvPr>
+          <p:cNvSpPr>
+            <a:spLocks noGrp="1"/>
+          </p:cNvSpPr>
+          <p:nvPr>
+            <p:ph idx="1"/>
           </p:nvPr>
         </p:nvSpPr>
         <p:spPr>
           <a:xfrm>
-            <a:off x="1524000" y="3981450"/>
-            <a:ext cx="9144000" cy="1276349"/>
+            <a:off x="838200" y="1025236"/>
+            <a:ext cx="10515600" cy="5331114"/>
           </a:xfrm>
         </p:spPr>
         <p:txBody>
           <a:bodyPr>
-            <a:normAutofit/>
+            <a:noAutofit/>
           </a:bodyPr>
           <a:lstStyle/>
           <a:p>
             <a:r>
-              <a:rPr lang="en-US" sz="2000" dirty="0">
-                <a:hlinkClick r:id="rId2"/>
-              </a:rPr>
-              <a:t>https://jimfawcett.github.io/RustStory_Prologue.html</a:t>
-            </a:r>
+              <a:rPr lang="en-US" sz="2400" dirty="0"/>
+              <a:t>Ownership</a:t>
+            </a:r>
+          </a:p>
+          <a:p>
+            <a:pPr lvl="1"/>
             <a:r>
               <a:rPr lang="en-US" sz="2000" dirty="0"/>
-              <a:t> </a:t>
-            </a:r>
-          </a:p>
-          <a:p>
+              <a:t>No undefined behavior or data races by construction</a:t>
+            </a:r>
+          </a:p>
+          <a:p>
+            <a:r>
+              <a:rPr lang="en-US" sz="2400" dirty="0"/>
+              <a:t>Error Handling</a:t>
+            </a:r>
+          </a:p>
+          <a:p>
+            <a:pPr lvl="1"/>
+            <a:r>
+              <a:rPr lang="en-US" sz="2000" dirty="0"/>
+              <a:t>No surprises at run-time.</a:t>
+            </a:r>
+          </a:p>
+          <a:p>
+            <a:pPr lvl="1"/>
+            <a:r>
+              <a:rPr lang="en-US" sz="2000" dirty="0"/>
+              <a:t>Get coherent error messages instead of aborts.</a:t>
+            </a:r>
+          </a:p>
+          <a:p>
+            <a:r>
+              <a:rPr lang="en-US" sz="2400" dirty="0"/>
+              <a:t>Strings</a:t>
+            </a:r>
+          </a:p>
+          <a:p>
+            <a:pPr lvl="1"/>
+            <a:r>
+              <a:rPr lang="en-US" sz="2000" dirty="0"/>
+              <a:t>Utf-8 strings can represent characters from many languages and math symbols</a:t>
+            </a:r>
+          </a:p>
+          <a:p>
+            <a:r>
+              <a:rPr lang="en-US" sz="2400" dirty="0"/>
+              <a:t>Explicit conversions</a:t>
+            </a:r>
+          </a:p>
+          <a:p>
+            <a:pPr lvl="1"/>
+            <a:r>
+              <a:rPr lang="en-US" sz="2000" dirty="0"/>
+              <a:t>No surprises from unexpected conversions</a:t>
+            </a:r>
+          </a:p>
+          <a:p>
+            <a:r>
+              <a:rPr lang="en-US" sz="2400" dirty="0"/>
+              <a:t>Suitable for safety critical applications, e.g., vehicle control, medical and financial applications.</a:t>
+            </a:r>
+          </a:p>
+          <a:p>
+            <a:pPr lvl="1"/>
+            <a:r>
+              <a:rPr lang="en-US" sz="2000" dirty="0"/>
+              <a:t>Need all of </a:t>
+            </a:r>
+            <a:r>
+              <a:rPr lang="en-US" sz="2000"/>
+              <a:t>the above</a:t>
+            </a:r>
             <a:endParaRPr lang="en-US" sz="2000" dirty="0"/>
           </a:p>
           <a:p>
-            <a:endParaRPr lang="en-US" sz="2000" dirty="0"/>
+            <a:pPr lvl="1"/>
+            <a:r>
+              <a:rPr lang="en-US" sz="2000" dirty="0"/>
+              <a:t>Eliminates many of the vectors for malware threats</a:t>
+            </a:r>
+          </a:p>
+        </p:txBody>
+      </p:sp>
+      <p:sp>
+        <p:nvSpPr>
+          <p:cNvPr id="4" name="Slide Number Placeholder 3">
+            <a:extLst>
+              <a:ext uri="{FF2B5EF4-FFF2-40B4-BE49-F238E27FC236}">
+                <a16:creationId xmlns:a16="http://schemas.microsoft.com/office/drawing/2014/main" id="{FC9659F6-A43C-4096-97A1-BD3149883C36}"/>
+              </a:ext>
+            </a:extLst>
+          </p:cNvPr>
+          <p:cNvSpPr>
+            <a:spLocks noGrp="1"/>
+          </p:cNvSpPr>
+          <p:nvPr>
+            <p:ph type="sldNum" sz="quarter" idx="12"/>
+          </p:nvPr>
+        </p:nvSpPr>
+        <p:spPr/>
+        <p:txBody>
+          <a:bodyPr/>
+          <a:lstStyle/>
+          <a:p>
+            <a:fld id="{519FA752-D1CF-498F-B0BD-05E47309CED3}" type="slidenum">
+              <a:rPr lang="en-US" smtClean="0"/>
+              <a:pPr/>
+              <a:t>58</a:t>
+            </a:fld>
+            <a:endParaRPr lang="en-US"/>
           </a:p>
         </p:txBody>
       </p:sp>
     </p:spTree>
     <p:extLst>
       <p:ext uri="{BB962C8B-B14F-4D97-AF65-F5344CB8AC3E}">
-        <p14:creationId xmlns:p14="http://schemas.microsoft.com/office/powerpoint/2010/main" val="4090748651"/>
+        <p14:creationId xmlns:p14="http://schemas.microsoft.com/office/powerpoint/2010/main" val="2273487599"/>
       </p:ext>
     </p:extLst>
   </p:cSld>
@@ -19665,25 +19766,22 @@
           <p:cNvPr id="2" name="Title 1">
             <a:extLst>
               <a:ext uri="{FF2B5EF4-FFF2-40B4-BE49-F238E27FC236}">
-                <a16:creationId xmlns:a16="http://schemas.microsoft.com/office/drawing/2014/main" id="{6575B597-9CE0-4BDE-8DBF-14DEFB696DB3}"/>
-              </a:ext>
-            </a:extLst>
-          </p:cNvPr>
-          <p:cNvSpPr>
-            <a:spLocks noGrp="1"/>
-          </p:cNvSpPr>
-          <p:nvPr>
-            <p:ph type="title"/>
+                <a16:creationId xmlns:a16="http://schemas.microsoft.com/office/drawing/2014/main" id="{7931F950-B483-4831-A37F-784D41C54C0E}"/>
+              </a:ext>
+            </a:extLst>
+          </p:cNvPr>
+          <p:cNvSpPr>
+            <a:spLocks noGrp="1"/>
+          </p:cNvSpPr>
+          <p:nvPr>
+            <p:ph type="ctrTitle"/>
           </p:nvPr>
         </p:nvSpPr>
         <p:spPr>
           <a:xfrm>
-            <a:off x="838200" y="337415"/>
-            <a:ext cx="10515600" cy="961399"/>
+            <a:off x="1524000" y="1122363"/>
+            <a:ext cx="9144000" cy="2155310"/>
           </a:xfrm>
-          <a:solidFill>
-            <a:schemeClr val="bg1"/>
-          </a:solidFill>
         </p:spPr>
         <p:txBody>
           <a:bodyPr/>
@@ -19691,122 +19789,62 @@
           <a:p>
             <a:r>
               <a:rPr lang="en-US" dirty="0"/>
-              <a:t>Conclusions</a:t>
-            </a:r>
-          </a:p>
-        </p:txBody>
-      </p:sp>
-      <p:sp>
-        <p:nvSpPr>
-          <p:cNvPr id="3" name="Content Placeholder 2">
-            <a:extLst>
-              <a:ext uri="{FF2B5EF4-FFF2-40B4-BE49-F238E27FC236}">
-                <a16:creationId xmlns:a16="http://schemas.microsoft.com/office/drawing/2014/main" id="{510D5770-03A0-448C-A291-CB10F9B55D66}"/>
-              </a:ext>
-            </a:extLst>
-          </p:cNvPr>
-          <p:cNvSpPr>
-            <a:spLocks noGrp="1"/>
-          </p:cNvSpPr>
-          <p:nvPr>
-            <p:ph idx="1"/>
+              <a:t>Epilog</a:t>
+            </a:r>
+          </a:p>
+        </p:txBody>
+      </p:sp>
+      <p:sp>
+        <p:nvSpPr>
+          <p:cNvPr id="3" name="Subtitle 2">
+            <a:extLst>
+              <a:ext uri="{FF2B5EF4-FFF2-40B4-BE49-F238E27FC236}">
+                <a16:creationId xmlns:a16="http://schemas.microsoft.com/office/drawing/2014/main" id="{D9CD4FAC-1FAC-470C-A1D5-392002A7D018}"/>
+              </a:ext>
+            </a:extLst>
+          </p:cNvPr>
+          <p:cNvSpPr>
+            <a:spLocks noGrp="1"/>
+          </p:cNvSpPr>
+          <p:nvPr>
+            <p:ph type="subTitle" idx="1"/>
           </p:nvPr>
         </p:nvSpPr>
         <p:spPr>
           <a:xfrm>
-            <a:off x="838200" y="1440874"/>
-            <a:ext cx="10515600" cy="4736090"/>
+            <a:off x="1524000" y="3981450"/>
+            <a:ext cx="9144000" cy="1276349"/>
           </a:xfrm>
         </p:spPr>
         <p:txBody>
           <a:bodyPr>
-            <a:noAutofit/>
+            <a:normAutofit/>
           </a:bodyPr>
           <a:lstStyle/>
           <a:p>
-            <a:r>
-              <a:rPr lang="en-US" sz="2400" dirty="0"/>
-              <a:t>If you understand the models, we’ve covered, I think you will find Rust syntax and semantics to be convenient and sensible.</a:t>
-            </a:r>
-          </a:p>
-          <a:p>
-            <a:r>
-              <a:rPr lang="en-US" sz="2400" dirty="0"/>
-              <a:t>Some particular parts of the language discussed in the Rust Story but not here are intricate and require some study to master:</a:t>
-            </a:r>
-          </a:p>
-          <a:p>
-            <a:pPr lvl="1"/>
-            <a:r>
-              <a:rPr lang="en-US" sz="2000" dirty="0"/>
-              <a:t>String syntax and semantics because the only character type Rust recognizes in its native strings, String and Str, is utf-8, which uses multi-byte characters of varying sizes.</a:t>
-            </a:r>
-          </a:p>
-          <a:p>
-            <a:pPr lvl="1"/>
-            <a:r>
-              <a:rPr lang="en-US" sz="2000" dirty="0"/>
-              <a:t>Life-time annotation needed for some scenarios using generics.</a:t>
-            </a:r>
-          </a:p>
-          <a:p>
-            <a:pPr lvl="1"/>
-            <a:r>
-              <a:rPr lang="en-US" sz="2000" dirty="0"/>
-              <a:t>Many crates in </a:t>
-            </a:r>
             <a:r>
               <a:rPr lang="en-US" sz="2000" dirty="0">
                 <a:hlinkClick r:id="rId2"/>
               </a:rPr>
-              <a:t>https://crates.io</a:t>
+              <a:t>https://jimfawcett.github.io/RustStory_Prologue.html</a:t>
             </a:r>
             <a:r>
               <a:rPr lang="en-US" sz="2000" dirty="0"/>
-              <a:t> are used routinely by knowledgeable Rust developers, but some take significant amounts of time and effort to use effectively.</a:t>
-            </a:r>
-          </a:p>
-          <a:p>
-            <a:r>
-              <a:rPr lang="en-US" sz="2400" dirty="0"/>
-              <a:t>Rust avoids undefined behavior by incorporating a safe type system.  That is based on the ownership rules we’ve discussed.  It takes a while to get use to the rules, but compiler error messages are usually very good.</a:t>
-            </a:r>
-          </a:p>
-        </p:txBody>
-      </p:sp>
-      <p:sp>
-        <p:nvSpPr>
-          <p:cNvPr id="4" name="Slide Number Placeholder 3">
-            <a:extLst>
-              <a:ext uri="{FF2B5EF4-FFF2-40B4-BE49-F238E27FC236}">
-                <a16:creationId xmlns:a16="http://schemas.microsoft.com/office/drawing/2014/main" id="{5303FFBC-A3BA-4CD9-9623-2D9E837E32E7}"/>
-              </a:ext>
-            </a:extLst>
-          </p:cNvPr>
-          <p:cNvSpPr>
-            <a:spLocks noGrp="1"/>
-          </p:cNvSpPr>
-          <p:nvPr>
-            <p:ph type="sldNum" sz="quarter" idx="12"/>
-          </p:nvPr>
-        </p:nvSpPr>
-        <p:spPr/>
-        <p:txBody>
-          <a:bodyPr/>
-          <a:lstStyle/>
-          <a:p>
-            <a:fld id="{519FA752-D1CF-498F-B0BD-05E47309CED3}" type="slidenum">
-              <a:rPr lang="en-US" smtClean="0"/>
-              <a:t>59</a:t>
-            </a:fld>
-            <a:endParaRPr lang="en-US"/>
+              <a:t> </a:t>
+            </a:r>
+          </a:p>
+          <a:p>
+            <a:endParaRPr lang="en-US" sz="2000" dirty="0"/>
+          </a:p>
+          <a:p>
+            <a:endParaRPr lang="en-US" sz="2000" dirty="0"/>
           </a:p>
         </p:txBody>
       </p:sp>
     </p:spTree>
     <p:extLst>
       <p:ext uri="{BB962C8B-B14F-4D97-AF65-F5344CB8AC3E}">
-        <p14:creationId xmlns:p14="http://schemas.microsoft.com/office/powerpoint/2010/main" val="1695196908"/>
+        <p14:creationId xmlns:p14="http://schemas.microsoft.com/office/powerpoint/2010/main" val="4090748651"/>
       </p:ext>
     </p:extLst>
   </p:cSld>
@@ -19956,7 +19994,7 @@
           <p:cNvPr id="2" name="Title 1">
             <a:extLst>
               <a:ext uri="{FF2B5EF4-FFF2-40B4-BE49-F238E27FC236}">
-                <a16:creationId xmlns:a16="http://schemas.microsoft.com/office/drawing/2014/main" id="{AE2C4E24-F41A-43B6-8514-8753B0BF4B56}"/>
+                <a16:creationId xmlns:a16="http://schemas.microsoft.com/office/drawing/2014/main" id="{6575B597-9CE0-4BDE-8DBF-14DEFB696DB3}"/>
               </a:ext>
             </a:extLst>
           </p:cNvPr>
@@ -19969,147 +20007,99 @@
         </p:nvSpPr>
         <p:spPr>
           <a:xfrm>
-            <a:off x="838200" y="365126"/>
-            <a:ext cx="10515600" cy="780922"/>
+            <a:off x="838200" y="337415"/>
+            <a:ext cx="10515600" cy="961399"/>
+          </a:xfrm>
+          <a:solidFill>
+            <a:schemeClr val="bg1"/>
+          </a:solidFill>
+        </p:spPr>
+        <p:txBody>
+          <a:bodyPr/>
+          <a:lstStyle/>
+          <a:p>
+            <a:r>
+              <a:rPr lang="en-US" dirty="0"/>
+              <a:t>Conclusions</a:t>
+            </a:r>
+          </a:p>
+        </p:txBody>
+      </p:sp>
+      <p:sp>
+        <p:nvSpPr>
+          <p:cNvPr id="3" name="Content Placeholder 2">
+            <a:extLst>
+              <a:ext uri="{FF2B5EF4-FFF2-40B4-BE49-F238E27FC236}">
+                <a16:creationId xmlns:a16="http://schemas.microsoft.com/office/drawing/2014/main" id="{510D5770-03A0-448C-A291-CB10F9B55D66}"/>
+              </a:ext>
+            </a:extLst>
+          </p:cNvPr>
+          <p:cNvSpPr>
+            <a:spLocks noGrp="1"/>
+          </p:cNvSpPr>
+          <p:nvPr>
+            <p:ph idx="1"/>
+          </p:nvPr>
+        </p:nvSpPr>
+        <p:spPr>
+          <a:xfrm>
+            <a:off x="838200" y="1440874"/>
+            <a:ext cx="10515600" cy="4736090"/>
           </a:xfrm>
         </p:spPr>
         <p:txBody>
-          <a:bodyPr/>
-          <a:lstStyle/>
-          <a:p>
-            <a:r>
-              <a:rPr lang="en-US" dirty="0"/>
-              <a:t>Presentation Resources</a:t>
-            </a:r>
-          </a:p>
-        </p:txBody>
-      </p:sp>
-      <p:sp>
-        <p:nvSpPr>
-          <p:cNvPr id="3" name="Content Placeholder 2">
-            <a:extLst>
-              <a:ext uri="{FF2B5EF4-FFF2-40B4-BE49-F238E27FC236}">
-                <a16:creationId xmlns:a16="http://schemas.microsoft.com/office/drawing/2014/main" id="{63C3A9C2-6490-47D7-8E43-D14728254FDB}"/>
-              </a:ext>
-            </a:extLst>
-          </p:cNvPr>
-          <p:cNvSpPr>
-            <a:spLocks noGrp="1"/>
-          </p:cNvSpPr>
-          <p:nvPr>
-            <p:ph idx="1"/>
-          </p:nvPr>
-        </p:nvSpPr>
-        <p:spPr>
-          <a:xfrm>
-            <a:off x="838200" y="1304544"/>
-            <a:ext cx="10515600" cy="4872419"/>
-          </a:xfrm>
-        </p:spPr>
-        <p:txBody>
-          <a:bodyPr/>
-          <a:lstStyle/>
-          <a:p>
-            <a:r>
-              <a:rPr lang="en-US" dirty="0"/>
-              <a:t>The ideas discussed in this presentation are drawn from a web page: </a:t>
-            </a:r>
-            <a:br>
-              <a:rPr lang="en-US" dirty="0"/>
-            </a:br>
-            <a:r>
-              <a:rPr lang="en-US" dirty="0"/>
-              <a:t>	</a:t>
-            </a:r>
-            <a:r>
-              <a:rPr lang="en-US" dirty="0">
+          <a:bodyPr>
+            <a:noAutofit/>
+          </a:bodyPr>
+          <a:lstStyle/>
+          <a:p>
+            <a:r>
+              <a:rPr lang="en-US" sz="2400" dirty="0"/>
+              <a:t>If you understand the models, we’ve covered, I think you will find Rust syntax and semantics to be convenient and sensible.</a:t>
+            </a:r>
+          </a:p>
+          <a:p>
+            <a:r>
+              <a:rPr lang="en-US" sz="2400" dirty="0"/>
+              <a:t>Some particular parts of the language discussed in the Rust Story but not here are intricate and require some study to master:</a:t>
+            </a:r>
+          </a:p>
+          <a:p>
+            <a:pPr lvl="1"/>
+            <a:r>
+              <a:rPr lang="en-US" sz="2000" dirty="0"/>
+              <a:t>String syntax and semantics because the only character type Rust recognizes in its native strings, String and Str, is utf-8, which uses multi-byte characters of varying sizes.</a:t>
+            </a:r>
+          </a:p>
+          <a:p>
+            <a:pPr lvl="1"/>
+            <a:r>
+              <a:rPr lang="en-US" sz="2000" dirty="0"/>
+              <a:t>Life-time annotation needed for some scenarios using generics.</a:t>
+            </a:r>
+          </a:p>
+          <a:p>
+            <a:pPr lvl="1"/>
+            <a:r>
+              <a:rPr lang="en-US" sz="2000" dirty="0"/>
+              <a:t>Many crates in </a:t>
+            </a:r>
+            <a:r>
+              <a:rPr lang="en-US" sz="2000" dirty="0">
                 <a:hlinkClick r:id="rId2"/>
               </a:rPr>
-              <a:t>https://jimfawcett.github.io/RustStory_Models.html</a:t>
-            </a:r>
-            <a:br>
-              <a:rPr lang="en-US" dirty="0"/>
-            </a:br>
-            <a:br>
-              <a:rPr lang="en-US" dirty="0"/>
-            </a:br>
-            <a:r>
-              <a:rPr lang="en-US" dirty="0"/>
-              <a:t>which is part of the Rust Story:</a:t>
-            </a:r>
-            <a:br>
-              <a:rPr lang="en-US" dirty="0"/>
-            </a:br>
-            <a:r>
-              <a:rPr lang="en-US" dirty="0"/>
-              <a:t>	</a:t>
-            </a:r>
-            <a:r>
-              <a:rPr lang="en-US" dirty="0">
-                <a:hlinkClick r:id="rId3"/>
-              </a:rPr>
-              <a:t>https://jimfawcett.github.io/RustStory_Prologue.html</a:t>
-            </a:r>
-            <a:r>
-              <a:rPr lang="en-US" dirty="0"/>
-              <a:t>   </a:t>
-            </a:r>
-            <a:br>
-              <a:rPr lang="en-US" dirty="0"/>
-            </a:br>
-            <a:endParaRPr lang="en-US" dirty="0"/>
-          </a:p>
-          <a:p>
-            <a:r>
-              <a:rPr lang="en-US" dirty="0"/>
-              <a:t>And code examples for the story are documented here:</a:t>
-            </a:r>
-            <a:br>
-              <a:rPr lang="en-US" dirty="0"/>
-            </a:br>
-            <a:r>
-              <a:rPr lang="en-US" dirty="0"/>
-              <a:t>	</a:t>
-            </a:r>
-            <a:r>
-              <a:rPr lang="en-US" dirty="0">
-                <a:hlinkClick r:id="rId4"/>
-              </a:rPr>
-              <a:t>https://jimfawcett.github.io/RustStoryRepo.html</a:t>
-            </a:r>
-            <a:br>
-              <a:rPr lang="en-US" dirty="0"/>
-            </a:br>
-            <a:endParaRPr lang="en-US" dirty="0"/>
-          </a:p>
-          <a:p>
-            <a:r>
-              <a:rPr lang="en-US" dirty="0"/>
-              <a:t>These slides are available here:</a:t>
-            </a:r>
-            <a:br>
-              <a:rPr lang="en-US" dirty="0"/>
-            </a:br>
-            <a:r>
-              <a:rPr lang="en-US" dirty="0"/>
-              <a:t>	</a:t>
-            </a:r>
-            <a:r>
-              <a:rPr lang="en-US" dirty="0">
-                <a:hlinkClick r:id="rId5"/>
-              </a:rPr>
-              <a:t>https://jimfawcett.github.io/Resources/RustTour.pdf</a:t>
-            </a:r>
-            <a:r>
-              <a:rPr lang="en-US" dirty="0"/>
-              <a:t> </a:t>
-            </a:r>
-          </a:p>
-          <a:p>
-            <a:pPr marL="0" indent="0">
-              <a:buNone/>
-            </a:pPr>
-            <a:endParaRPr lang="en-US" dirty="0"/>
+              <a:t>https://crates.io</a:t>
+            </a:r>
+            <a:r>
+              <a:rPr lang="en-US" sz="2000" dirty="0"/>
+              <a:t> are used routinely by knowledgeable Rust developers, but some take significant amounts of time and effort to use effectively.</a:t>
+            </a:r>
+          </a:p>
+          <a:p>
+            <a:r>
+              <a:rPr lang="en-US" sz="2400" dirty="0"/>
+              <a:t>Rust avoids undefined behavior by incorporating a safe type system.  That is based on the ownership rules we’ve discussed.  It takes a while to get use to the rules, but compiler error messages are usually very good.</a:t>
+            </a:r>
           </a:p>
         </p:txBody>
       </p:sp>
@@ -20118,7 +20108,7 @@
           <p:cNvPr id="4" name="Slide Number Placeholder 3">
             <a:extLst>
               <a:ext uri="{FF2B5EF4-FFF2-40B4-BE49-F238E27FC236}">
-                <a16:creationId xmlns:a16="http://schemas.microsoft.com/office/drawing/2014/main" id="{65DE1FCB-5689-4E10-A416-328ED633A2EE}"/>
+                <a16:creationId xmlns:a16="http://schemas.microsoft.com/office/drawing/2014/main" id="{5303FFBC-A3BA-4CD9-9623-2D9E837E32E7}"/>
               </a:ext>
             </a:extLst>
           </p:cNvPr>
@@ -20145,7 +20135,7 @@
     </p:spTree>
     <p:extLst>
       <p:ext uri="{BB962C8B-B14F-4D97-AF65-F5344CB8AC3E}">
-        <p14:creationId xmlns:p14="http://schemas.microsoft.com/office/powerpoint/2010/main" val="4015714117"/>
+        <p14:creationId xmlns:p14="http://schemas.microsoft.com/office/powerpoint/2010/main" val="1695196908"/>
       </p:ext>
     </p:extLst>
   </p:cSld>
@@ -20177,6 +20167,227 @@
           <p:cNvPr id="2" name="Title 1">
             <a:extLst>
               <a:ext uri="{FF2B5EF4-FFF2-40B4-BE49-F238E27FC236}">
+                <a16:creationId xmlns:a16="http://schemas.microsoft.com/office/drawing/2014/main" id="{AE2C4E24-F41A-43B6-8514-8753B0BF4B56}"/>
+              </a:ext>
+            </a:extLst>
+          </p:cNvPr>
+          <p:cNvSpPr>
+            <a:spLocks noGrp="1"/>
+          </p:cNvSpPr>
+          <p:nvPr>
+            <p:ph type="title"/>
+          </p:nvPr>
+        </p:nvSpPr>
+        <p:spPr>
+          <a:xfrm>
+            <a:off x="838200" y="365126"/>
+            <a:ext cx="10515600" cy="780922"/>
+          </a:xfrm>
+        </p:spPr>
+        <p:txBody>
+          <a:bodyPr/>
+          <a:lstStyle/>
+          <a:p>
+            <a:r>
+              <a:rPr lang="en-US" dirty="0"/>
+              <a:t>Presentation Resources</a:t>
+            </a:r>
+          </a:p>
+        </p:txBody>
+      </p:sp>
+      <p:sp>
+        <p:nvSpPr>
+          <p:cNvPr id="3" name="Content Placeholder 2">
+            <a:extLst>
+              <a:ext uri="{FF2B5EF4-FFF2-40B4-BE49-F238E27FC236}">
+                <a16:creationId xmlns:a16="http://schemas.microsoft.com/office/drawing/2014/main" id="{63C3A9C2-6490-47D7-8E43-D14728254FDB}"/>
+              </a:ext>
+            </a:extLst>
+          </p:cNvPr>
+          <p:cNvSpPr>
+            <a:spLocks noGrp="1"/>
+          </p:cNvSpPr>
+          <p:nvPr>
+            <p:ph idx="1"/>
+          </p:nvPr>
+        </p:nvSpPr>
+        <p:spPr>
+          <a:xfrm>
+            <a:off x="838200" y="1304544"/>
+            <a:ext cx="10515600" cy="4872419"/>
+          </a:xfrm>
+        </p:spPr>
+        <p:txBody>
+          <a:bodyPr/>
+          <a:lstStyle/>
+          <a:p>
+            <a:r>
+              <a:rPr lang="en-US" dirty="0"/>
+              <a:t>The ideas discussed in this presentation are drawn from a web page: </a:t>
+            </a:r>
+            <a:br>
+              <a:rPr lang="en-US" dirty="0"/>
+            </a:br>
+            <a:r>
+              <a:rPr lang="en-US" dirty="0"/>
+              <a:t>	</a:t>
+            </a:r>
+            <a:r>
+              <a:rPr lang="en-US" dirty="0">
+                <a:hlinkClick r:id="rId2"/>
+              </a:rPr>
+              <a:t>https://jimfawcett.github.io/RustStory_Models.html</a:t>
+            </a:r>
+            <a:br>
+              <a:rPr lang="en-US" dirty="0"/>
+            </a:br>
+            <a:br>
+              <a:rPr lang="en-US" dirty="0"/>
+            </a:br>
+            <a:r>
+              <a:rPr lang="en-US" dirty="0"/>
+              <a:t>which is part of the Rust Story:</a:t>
+            </a:r>
+            <a:br>
+              <a:rPr lang="en-US" dirty="0"/>
+            </a:br>
+            <a:r>
+              <a:rPr lang="en-US" dirty="0"/>
+              <a:t>	</a:t>
+            </a:r>
+            <a:r>
+              <a:rPr lang="en-US" dirty="0">
+                <a:hlinkClick r:id="rId3"/>
+              </a:rPr>
+              <a:t>https://jimfawcett.github.io/RustStory_Prologue.html</a:t>
+            </a:r>
+            <a:r>
+              <a:rPr lang="en-US" dirty="0"/>
+              <a:t>   </a:t>
+            </a:r>
+            <a:br>
+              <a:rPr lang="en-US" dirty="0"/>
+            </a:br>
+            <a:endParaRPr lang="en-US" dirty="0"/>
+          </a:p>
+          <a:p>
+            <a:r>
+              <a:rPr lang="en-US" dirty="0"/>
+              <a:t>And code examples for the story are documented here:</a:t>
+            </a:r>
+            <a:br>
+              <a:rPr lang="en-US" dirty="0"/>
+            </a:br>
+            <a:r>
+              <a:rPr lang="en-US" dirty="0"/>
+              <a:t>	</a:t>
+            </a:r>
+            <a:r>
+              <a:rPr lang="en-US" dirty="0">
+                <a:hlinkClick r:id="rId4"/>
+              </a:rPr>
+              <a:t>https://jimfawcett.github.io/RustStoryRepo.html</a:t>
+            </a:r>
+            <a:br>
+              <a:rPr lang="en-US" dirty="0"/>
+            </a:br>
+            <a:endParaRPr lang="en-US" dirty="0"/>
+          </a:p>
+          <a:p>
+            <a:r>
+              <a:rPr lang="en-US" dirty="0"/>
+              <a:t>These slides are available here:</a:t>
+            </a:r>
+            <a:br>
+              <a:rPr lang="en-US" dirty="0"/>
+            </a:br>
+            <a:r>
+              <a:rPr lang="en-US" dirty="0"/>
+              <a:t>	</a:t>
+            </a:r>
+            <a:r>
+              <a:rPr lang="en-US" dirty="0">
+                <a:hlinkClick r:id="rId5"/>
+              </a:rPr>
+              <a:t>https://jimfawcett.github.io/Resources/RustTour.pdf</a:t>
+            </a:r>
+            <a:r>
+              <a:rPr lang="en-US" dirty="0"/>
+              <a:t> </a:t>
+            </a:r>
+          </a:p>
+          <a:p>
+            <a:pPr marL="0" indent="0">
+              <a:buNone/>
+            </a:pPr>
+            <a:endParaRPr lang="en-US" dirty="0"/>
+          </a:p>
+        </p:txBody>
+      </p:sp>
+      <p:sp>
+        <p:nvSpPr>
+          <p:cNvPr id="4" name="Slide Number Placeholder 3">
+            <a:extLst>
+              <a:ext uri="{FF2B5EF4-FFF2-40B4-BE49-F238E27FC236}">
+                <a16:creationId xmlns:a16="http://schemas.microsoft.com/office/drawing/2014/main" id="{65DE1FCB-5689-4E10-A416-328ED633A2EE}"/>
+              </a:ext>
+            </a:extLst>
+          </p:cNvPr>
+          <p:cNvSpPr>
+            <a:spLocks noGrp="1"/>
+          </p:cNvSpPr>
+          <p:nvPr>
+            <p:ph type="sldNum" sz="quarter" idx="12"/>
+          </p:nvPr>
+        </p:nvSpPr>
+        <p:spPr/>
+        <p:txBody>
+          <a:bodyPr/>
+          <a:lstStyle/>
+          <a:p>
+            <a:fld id="{519FA752-D1CF-498F-B0BD-05E47309CED3}" type="slidenum">
+              <a:rPr lang="en-US" smtClean="0"/>
+              <a:t>61</a:t>
+            </a:fld>
+            <a:endParaRPr lang="en-US"/>
+          </a:p>
+        </p:txBody>
+      </p:sp>
+    </p:spTree>
+    <p:extLst>
+      <p:ext uri="{BB962C8B-B14F-4D97-AF65-F5344CB8AC3E}">
+        <p14:creationId xmlns:p14="http://schemas.microsoft.com/office/powerpoint/2010/main" val="4015714117"/>
+      </p:ext>
+    </p:extLst>
+  </p:cSld>
+  <p:clrMapOvr>
+    <a:masterClrMapping/>
+  </p:clrMapOvr>
+</p:sld>
+</file>
+
+<file path=ppt/slides/slide62.xml><?xml version="1.0" encoding="utf-8"?>
+<p:sld xmlns:a="http://schemas.openxmlformats.org/drawingml/2006/main" xmlns:r="http://schemas.openxmlformats.org/officeDocument/2006/relationships" xmlns:p="http://schemas.openxmlformats.org/presentationml/2006/main">
+  <p:cSld>
+    <p:spTree>
+      <p:nvGrpSpPr>
+        <p:cNvPr id="1" name=""/>
+        <p:cNvGrpSpPr/>
+        <p:nvPr/>
+      </p:nvGrpSpPr>
+      <p:grpSpPr>
+        <a:xfrm>
+          <a:off x="0" y="0"/>
+          <a:ext cx="0" cy="0"/>
+          <a:chOff x="0" y="0"/>
+          <a:chExt cx="0" cy="0"/>
+        </a:xfrm>
+      </p:grpSpPr>
+      <p:sp>
+        <p:nvSpPr>
+          <p:cNvPr id="2" name="Title 1">
+            <a:extLst>
+              <a:ext uri="{FF2B5EF4-FFF2-40B4-BE49-F238E27FC236}">
                 <a16:creationId xmlns:a16="http://schemas.microsoft.com/office/drawing/2014/main" id="{5D569161-EBD9-48DC-ABCC-6F0F71A6E502}"/>
               </a:ext>
             </a:extLst>
@@ -20255,25 +20466,24 @@
               <a:t>https://JimFawcett.github.io</a:t>
             </a:r>
             <a:r>
-              <a:rPr lang="en-US"/>
+              <a:rPr lang="en-US" dirty="0"/>
               <a:t>, </a:t>
             </a:r>
             <a:r>
-              <a:rPr lang="en-US">
+              <a:rPr lang="en-US" dirty="0">
                 <a:hlinkClick r:id="rId3"/>
               </a:rPr>
               <a:t>https://jimfawcett.github.io/Resources/RustModels.pdf</a:t>
             </a:r>
             <a:r>
-              <a:rPr lang="en-US"/>
+              <a:rPr lang="en-US" dirty="0"/>
               <a:t> </a:t>
             </a:r>
-            <a:endParaRPr lang="en-US" dirty="0"/>
-          </a:p>
-          <a:p>
-            <a:r>
-              <a:rPr lang="en-US" dirty="0"/>
-              <a:t>The site provides a curated selection of code developed for graduate software design courses at Syracuse University</a:t>
+          </a:p>
+          <a:p>
+            <a:r>
+              <a:rPr lang="en-US" dirty="0"/>
+              <a:t>The site provides a curated selection of code. Many repos developed for graduate software design courses at Syracuse University</a:t>
             </a:r>
           </a:p>
           <a:p>
@@ -20349,7 +20559,7 @@
           <a:p>
             <a:fld id="{519FA752-D1CF-498F-B0BD-05E47309CED3}" type="slidenum">
               <a:rPr lang="en-US" smtClean="0"/>
-              <a:t>61</a:t>
+              <a:t>62</a:t>
             </a:fld>
             <a:endParaRPr lang="en-US"/>
           </a:p>
